--- a/Python和自动化测试.pptx
+++ b/Python和自动化测试.pptx
@@ -9,13 +9,20 @@
     <p:sldId id="257" r:id="rId3"/>
     <p:sldId id="258" r:id="rId4"/>
     <p:sldId id="259" r:id="rId5"/>
-    <p:sldId id="261" r:id="rId6"/>
-    <p:sldId id="260" r:id="rId7"/>
-    <p:sldId id="262" r:id="rId8"/>
-    <p:sldId id="263" r:id="rId9"/>
-    <p:sldId id="264" r:id="rId10"/>
-    <p:sldId id="265" r:id="rId11"/>
-    <p:sldId id="266" r:id="rId12"/>
+    <p:sldId id="267" r:id="rId6"/>
+    <p:sldId id="261" r:id="rId7"/>
+    <p:sldId id="260" r:id="rId8"/>
+    <p:sldId id="262" r:id="rId9"/>
+    <p:sldId id="263" r:id="rId10"/>
+    <p:sldId id="264" r:id="rId11"/>
+    <p:sldId id="265" r:id="rId12"/>
+    <p:sldId id="266" r:id="rId13"/>
+    <p:sldId id="268" r:id="rId14"/>
+    <p:sldId id="269" r:id="rId15"/>
+    <p:sldId id="270" r:id="rId16"/>
+    <p:sldId id="271" r:id="rId17"/>
+    <p:sldId id="273" r:id="rId18"/>
+    <p:sldId id="272" r:id="rId19"/>
   </p:sldIdLst>
   <p:sldSz cx="12192000" cy="6858000"/>
   <p:notesSz cx="6858000" cy="9144000"/>
@@ -114,6 +121,11 @@
       </a:defRPr>
     </a:lvl9pPr>
   </p:defaultTextStyle>
+  <p:extLst>
+    <p:ext uri="{EFAFB233-063F-42B5-8137-9DF3F51BA10A}">
+      <p15:sldGuideLst xmlns:p15="http://schemas.microsoft.com/office/powerpoint/2012/main"/>
+    </p:ext>
+  </p:extLst>
 </p:presentation>
 </file>
 
@@ -248,7 +260,7 @@
           <a:p>
             <a:fld id="{0D917901-B90C-408E-AD34-AAEB7588CD27}" type="datetimeFigureOut">
               <a:rPr lang="zh-CN" altLang="en-US" smtClean="0"/>
-              <a:t>2019-06-22</a:t>
+              <a:t>2019-07-20</a:t>
             </a:fld>
             <a:endParaRPr lang="zh-CN" altLang="en-US"/>
           </a:p>
@@ -418,7 +430,7 @@
           <a:p>
             <a:fld id="{0D917901-B90C-408E-AD34-AAEB7588CD27}" type="datetimeFigureOut">
               <a:rPr lang="zh-CN" altLang="en-US" smtClean="0"/>
-              <a:t>2019-06-22</a:t>
+              <a:t>2019-07-20</a:t>
             </a:fld>
             <a:endParaRPr lang="zh-CN" altLang="en-US"/>
           </a:p>
@@ -598,7 +610,7 @@
           <a:p>
             <a:fld id="{0D917901-B90C-408E-AD34-AAEB7588CD27}" type="datetimeFigureOut">
               <a:rPr lang="zh-CN" altLang="en-US" smtClean="0"/>
-              <a:t>2019-06-22</a:t>
+              <a:t>2019-07-20</a:t>
             </a:fld>
             <a:endParaRPr lang="zh-CN" altLang="en-US"/>
           </a:p>
@@ -768,7 +780,7 @@
           <a:p>
             <a:fld id="{0D917901-B90C-408E-AD34-AAEB7588CD27}" type="datetimeFigureOut">
               <a:rPr lang="zh-CN" altLang="en-US" smtClean="0"/>
-              <a:t>2019-06-22</a:t>
+              <a:t>2019-07-20</a:t>
             </a:fld>
             <a:endParaRPr lang="zh-CN" altLang="en-US"/>
           </a:p>
@@ -1014,7 +1026,7 @@
           <a:p>
             <a:fld id="{0D917901-B90C-408E-AD34-AAEB7588CD27}" type="datetimeFigureOut">
               <a:rPr lang="zh-CN" altLang="en-US" smtClean="0"/>
-              <a:t>2019-06-22</a:t>
+              <a:t>2019-07-20</a:t>
             </a:fld>
             <a:endParaRPr lang="zh-CN" altLang="en-US"/>
           </a:p>
@@ -1246,7 +1258,7 @@
           <a:p>
             <a:fld id="{0D917901-B90C-408E-AD34-AAEB7588CD27}" type="datetimeFigureOut">
               <a:rPr lang="zh-CN" altLang="en-US" smtClean="0"/>
-              <a:t>2019-06-22</a:t>
+              <a:t>2019-07-20</a:t>
             </a:fld>
             <a:endParaRPr lang="zh-CN" altLang="en-US"/>
           </a:p>
@@ -1613,7 +1625,7 @@
           <a:p>
             <a:fld id="{0D917901-B90C-408E-AD34-AAEB7588CD27}" type="datetimeFigureOut">
               <a:rPr lang="zh-CN" altLang="en-US" smtClean="0"/>
-              <a:t>2019-06-22</a:t>
+              <a:t>2019-07-20</a:t>
             </a:fld>
             <a:endParaRPr lang="zh-CN" altLang="en-US"/>
           </a:p>
@@ -1731,7 +1743,7 @@
           <a:p>
             <a:fld id="{0D917901-B90C-408E-AD34-AAEB7588CD27}" type="datetimeFigureOut">
               <a:rPr lang="zh-CN" altLang="en-US" smtClean="0"/>
-              <a:t>2019-06-22</a:t>
+              <a:t>2019-07-20</a:t>
             </a:fld>
             <a:endParaRPr lang="zh-CN" altLang="en-US"/>
           </a:p>
@@ -1826,7 +1838,7 @@
           <a:p>
             <a:fld id="{0D917901-B90C-408E-AD34-AAEB7588CD27}" type="datetimeFigureOut">
               <a:rPr lang="zh-CN" altLang="en-US" smtClean="0"/>
-              <a:t>2019-06-22</a:t>
+              <a:t>2019-07-20</a:t>
             </a:fld>
             <a:endParaRPr lang="zh-CN" altLang="en-US"/>
           </a:p>
@@ -2103,7 +2115,7 @@
           <a:p>
             <a:fld id="{0D917901-B90C-408E-AD34-AAEB7588CD27}" type="datetimeFigureOut">
               <a:rPr lang="zh-CN" altLang="en-US" smtClean="0"/>
-              <a:t>2019-06-22</a:t>
+              <a:t>2019-07-20</a:t>
             </a:fld>
             <a:endParaRPr lang="zh-CN" altLang="en-US"/>
           </a:p>
@@ -2356,7 +2368,7 @@
           <a:p>
             <a:fld id="{0D917901-B90C-408E-AD34-AAEB7588CD27}" type="datetimeFigureOut">
               <a:rPr lang="zh-CN" altLang="en-US" smtClean="0"/>
-              <a:t>2019-06-22</a:t>
+              <a:t>2019-07-20</a:t>
             </a:fld>
             <a:endParaRPr lang="zh-CN" altLang="en-US"/>
           </a:p>
@@ -2569,7 +2581,7 @@
           <a:p>
             <a:fld id="{0D917901-B90C-408E-AD34-AAEB7588CD27}" type="datetimeFigureOut">
               <a:rPr lang="zh-CN" altLang="en-US" smtClean="0"/>
-              <a:t>2019-06-22</a:t>
+              <a:t>2019-07-20</a:t>
             </a:fld>
             <a:endParaRPr lang="zh-CN" altLang="en-US"/>
           </a:p>
@@ -3068,133 +3080,221 @@
             <p:ph idx="1"/>
           </p:nvPr>
         </p:nvSpPr>
-        <p:spPr/>
-        <p:txBody>
-          <a:bodyPr/>
-          <a:lstStyle/>
-          <a:p>
-            <a:r>
-              <a:rPr lang="zh-CN" altLang="en-US" dirty="0" smtClean="0"/>
-              <a:t>合并字典</a:t>
-            </a:r>
-            <a:endParaRPr lang="en-US" altLang="zh-CN" dirty="0" smtClean="0"/>
-          </a:p>
-          <a:p>
-            <a:pPr marL="0" indent="0">
-              <a:buNone/>
-            </a:pPr>
-            <a:endParaRPr lang="en-US" altLang="zh-CN" dirty="0"/>
-          </a:p>
-          <a:p>
-            <a:pPr marL="0" indent="0">
-              <a:buNone/>
-            </a:pPr>
-            <a:endParaRPr lang="en-US" altLang="zh-CN" dirty="0" smtClean="0"/>
-          </a:p>
-          <a:p>
-            <a:pPr marL="0" indent="0">
-              <a:buNone/>
-            </a:pPr>
-            <a:endParaRPr lang="zh-CN" altLang="en-US" dirty="0" smtClean="0"/>
-          </a:p>
-          <a:p>
-            <a:r>
-              <a:rPr lang="zh-CN" altLang="en-US" dirty="0" smtClean="0"/>
-              <a:t>反转列表</a:t>
-            </a:r>
-            <a:endParaRPr lang="en-US" altLang="zh-CN" dirty="0" smtClean="0"/>
-          </a:p>
-          <a:p>
-            <a:pPr marL="0" indent="0">
-              <a:buNone/>
-            </a:pPr>
-            <a:endParaRPr lang="en-US" altLang="zh-CN" dirty="0" smtClean="0"/>
-          </a:p>
-          <a:p>
-            <a:r>
-              <a:rPr lang="zh-CN" altLang="en-US" dirty="0" smtClean="0"/>
-              <a:t>变量交换</a:t>
-            </a:r>
-            <a:endParaRPr lang="zh-CN" altLang="en-US" dirty="0"/>
-          </a:p>
-        </p:txBody>
-      </p:sp>
-      <p:pic>
-        <p:nvPicPr>
-          <p:cNvPr id="4" name="图片 3"/>
-          <p:cNvPicPr>
-            <a:picLocks noChangeAspect="1"/>
-          </p:cNvPicPr>
-          <p:nvPr/>
-        </p:nvPicPr>
-        <p:blipFill>
-          <a:blip r:embed="rId2"/>
-          <a:stretch>
-            <a:fillRect/>
-          </a:stretch>
-        </p:blipFill>
         <p:spPr>
           <a:xfrm>
-            <a:off x="1078093" y="2268855"/>
-            <a:ext cx="2581275" cy="1466850"/>
+            <a:off x="838200" y="1489166"/>
+            <a:ext cx="10515600" cy="5111931"/>
           </a:xfrm>
-          <a:prstGeom prst="rect">
-            <a:avLst/>
-          </a:prstGeom>
         </p:spPr>
-      </p:pic>
-      <p:pic>
-        <p:nvPicPr>
-          <p:cNvPr id="5" name="图片 4"/>
-          <p:cNvPicPr>
-            <a:picLocks noChangeAspect="1"/>
-          </p:cNvPicPr>
-          <p:nvPr/>
-        </p:nvPicPr>
-        <p:blipFill>
-          <a:blip r:embed="rId3"/>
-          <a:stretch>
-            <a:fillRect/>
-          </a:stretch>
-        </p:blipFill>
-        <p:spPr>
-          <a:xfrm>
-            <a:off x="2928529" y="4001294"/>
-            <a:ext cx="2990850" cy="790575"/>
-          </a:xfrm>
-          <a:prstGeom prst="rect">
-            <a:avLst/>
-          </a:prstGeom>
-        </p:spPr>
-      </p:pic>
-      <p:pic>
-        <p:nvPicPr>
-          <p:cNvPr id="6" name="图片 5"/>
-          <p:cNvPicPr>
-            <a:picLocks noChangeAspect="1"/>
-          </p:cNvPicPr>
-          <p:nvPr/>
-        </p:nvPicPr>
-        <p:blipFill>
-          <a:blip r:embed="rId4"/>
-          <a:stretch>
-            <a:fillRect/>
-          </a:stretch>
-        </p:blipFill>
-        <p:spPr>
-          <a:xfrm>
-            <a:off x="2851785" y="5124768"/>
-            <a:ext cx="2343150" cy="1495425"/>
-          </a:xfrm>
-          <a:prstGeom prst="rect">
-            <a:avLst/>
-          </a:prstGeom>
-        </p:spPr>
-      </p:pic>
+        <p:txBody>
+          <a:bodyPr>
+            <a:normAutofit/>
+          </a:bodyPr>
+          <a:lstStyle/>
+          <a:p>
+            <a:r>
+              <a:rPr lang="zh-CN" altLang="en-US" dirty="0" smtClean="0"/>
+              <a:t>列表推导</a:t>
+            </a:r>
+            <a:endParaRPr lang="en-US" altLang="zh-CN" dirty="0" smtClean="0"/>
+          </a:p>
+          <a:p>
+            <a:pPr marL="0" indent="0">
+              <a:buNone/>
+            </a:pPr>
+            <a:r>
+              <a:rPr lang="en-US" altLang="zh-CN" sz="1600" dirty="0">
+                <a:latin typeface="Courier New" panose="02070309020205020404" pitchFamily="49" charset="0"/>
+                <a:cs typeface="Courier New" panose="02070309020205020404" pitchFamily="49" charset="0"/>
+              </a:rPr>
+              <a:t>&gt;&gt;&gt; chars = [c for c in 'python']</a:t>
+            </a:r>
+          </a:p>
+          <a:p>
+            <a:pPr marL="0" indent="0">
+              <a:buNone/>
+            </a:pPr>
+            <a:r>
+              <a:rPr lang="en-US" altLang="zh-CN" sz="1600" dirty="0">
+                <a:latin typeface="Courier New" panose="02070309020205020404" pitchFamily="49" charset="0"/>
+                <a:cs typeface="Courier New" panose="02070309020205020404" pitchFamily="49" charset="0"/>
+              </a:rPr>
+              <a:t>&gt;&gt;&gt; chars</a:t>
+            </a:r>
+          </a:p>
+          <a:p>
+            <a:pPr marL="0" indent="0">
+              <a:buNone/>
+            </a:pPr>
+            <a:r>
+              <a:rPr lang="en-US" altLang="zh-CN" sz="1600" dirty="0">
+                <a:latin typeface="Courier New" panose="02070309020205020404" pitchFamily="49" charset="0"/>
+                <a:cs typeface="Courier New" panose="02070309020205020404" pitchFamily="49" charset="0"/>
+              </a:rPr>
+              <a:t>['p', 'y', 't', 'h', 'o', 'n</a:t>
+            </a:r>
+            <a:r>
+              <a:rPr lang="en-US" altLang="zh-CN" sz="1600" dirty="0" smtClean="0">
+                <a:latin typeface="Courier New" panose="02070309020205020404" pitchFamily="49" charset="0"/>
+                <a:cs typeface="Courier New" panose="02070309020205020404" pitchFamily="49" charset="0"/>
+              </a:rPr>
+              <a:t>']</a:t>
+            </a:r>
+            <a:endParaRPr lang="en-US" altLang="zh-CN" dirty="0" smtClean="0"/>
+          </a:p>
+          <a:p>
+            <a:r>
+              <a:rPr lang="zh-CN" altLang="en-US" dirty="0"/>
+              <a:t>字典推导</a:t>
+            </a:r>
+            <a:r>
+              <a:rPr lang="zh-CN" altLang="en-US" dirty="0" smtClean="0"/>
+              <a:t>式</a:t>
+            </a:r>
+            <a:endParaRPr lang="en-US" altLang="zh-CN" dirty="0" smtClean="0"/>
+          </a:p>
+          <a:p>
+            <a:pPr marL="0" indent="0">
+              <a:buNone/>
+            </a:pPr>
+            <a:r>
+              <a:rPr lang="en-US" altLang="zh-CN" sz="1600" dirty="0">
+                <a:latin typeface="Courier New" panose="02070309020205020404" pitchFamily="49" charset="0"/>
+                <a:cs typeface="Courier New" panose="02070309020205020404" pitchFamily="49" charset="0"/>
+              </a:rPr>
+              <a:t>&gt;&gt;&gt; </a:t>
+            </a:r>
+            <a:r>
+              <a:rPr lang="en-US" altLang="zh-CN" sz="1600" dirty="0" err="1">
+                <a:latin typeface="Courier New" panose="02070309020205020404" pitchFamily="49" charset="0"/>
+                <a:cs typeface="Courier New" panose="02070309020205020404" pitchFamily="49" charset="0"/>
+              </a:rPr>
+              <a:t>mydict</a:t>
+            </a:r>
+            <a:r>
+              <a:rPr lang="en-US" altLang="zh-CN" sz="1600" dirty="0">
+                <a:latin typeface="Courier New" panose="02070309020205020404" pitchFamily="49" charset="0"/>
+                <a:cs typeface="Courier New" panose="02070309020205020404" pitchFamily="49" charset="0"/>
+              </a:rPr>
+              <a:t> = {'a':1, 'b':2, 'c':3, 'd':4, 'e':5}</a:t>
+            </a:r>
+          </a:p>
+          <a:p>
+            <a:pPr marL="0" indent="0">
+              <a:buNone/>
+            </a:pPr>
+            <a:r>
+              <a:rPr lang="en-US" altLang="zh-CN" sz="1600" dirty="0">
+                <a:latin typeface="Courier New" panose="02070309020205020404" pitchFamily="49" charset="0"/>
+                <a:cs typeface="Courier New" panose="02070309020205020404" pitchFamily="49" charset="0"/>
+              </a:rPr>
+              <a:t>&gt;&gt;&gt; </a:t>
+            </a:r>
+            <a:r>
+              <a:rPr lang="en-US" altLang="zh-CN" sz="1600" dirty="0" err="1">
+                <a:latin typeface="Courier New" panose="02070309020205020404" pitchFamily="49" charset="0"/>
+                <a:cs typeface="Courier New" panose="02070309020205020404" pitchFamily="49" charset="0"/>
+              </a:rPr>
+              <a:t>double_mydict</a:t>
+            </a:r>
+            <a:r>
+              <a:rPr lang="en-US" altLang="zh-CN" sz="1600" dirty="0">
+                <a:latin typeface="Courier New" panose="02070309020205020404" pitchFamily="49" charset="0"/>
+                <a:cs typeface="Courier New" panose="02070309020205020404" pitchFamily="49" charset="0"/>
+              </a:rPr>
+              <a:t> = {</a:t>
+            </a:r>
+            <a:r>
+              <a:rPr lang="en-US" altLang="zh-CN" sz="1600" dirty="0" err="1">
+                <a:latin typeface="Courier New" panose="02070309020205020404" pitchFamily="49" charset="0"/>
+                <a:cs typeface="Courier New" panose="02070309020205020404" pitchFamily="49" charset="0"/>
+              </a:rPr>
+              <a:t>k:v</a:t>
+            </a:r>
+            <a:r>
+              <a:rPr lang="en-US" altLang="zh-CN" sz="1600" dirty="0">
+                <a:latin typeface="Courier New" panose="02070309020205020404" pitchFamily="49" charset="0"/>
+                <a:cs typeface="Courier New" panose="02070309020205020404" pitchFamily="49" charset="0"/>
+              </a:rPr>
+              <a:t>*2 for (</a:t>
+            </a:r>
+            <a:r>
+              <a:rPr lang="en-US" altLang="zh-CN" sz="1600" dirty="0" err="1">
+                <a:latin typeface="Courier New" panose="02070309020205020404" pitchFamily="49" charset="0"/>
+                <a:cs typeface="Courier New" panose="02070309020205020404" pitchFamily="49" charset="0"/>
+              </a:rPr>
+              <a:t>k,v</a:t>
+            </a:r>
+            <a:r>
+              <a:rPr lang="en-US" altLang="zh-CN" sz="1600" dirty="0">
+                <a:latin typeface="Courier New" panose="02070309020205020404" pitchFamily="49" charset="0"/>
+                <a:cs typeface="Courier New" panose="02070309020205020404" pitchFamily="49" charset="0"/>
+              </a:rPr>
+              <a:t>) in </a:t>
+            </a:r>
+            <a:r>
+              <a:rPr lang="en-US" altLang="zh-CN" sz="1600" dirty="0" err="1">
+                <a:latin typeface="Courier New" panose="02070309020205020404" pitchFamily="49" charset="0"/>
+                <a:cs typeface="Courier New" panose="02070309020205020404" pitchFamily="49" charset="0"/>
+              </a:rPr>
+              <a:t>mydict.items</a:t>
+            </a:r>
+            <a:r>
+              <a:rPr lang="en-US" altLang="zh-CN" sz="1600" dirty="0">
+                <a:latin typeface="Courier New" panose="02070309020205020404" pitchFamily="49" charset="0"/>
+                <a:cs typeface="Courier New" panose="02070309020205020404" pitchFamily="49" charset="0"/>
+              </a:rPr>
+              <a:t>()}</a:t>
+            </a:r>
+          </a:p>
+          <a:p>
+            <a:pPr marL="0" indent="0">
+              <a:buNone/>
+            </a:pPr>
+            <a:r>
+              <a:rPr lang="en-US" altLang="zh-CN" sz="1600" dirty="0">
+                <a:latin typeface="Courier New" panose="02070309020205020404" pitchFamily="49" charset="0"/>
+                <a:cs typeface="Courier New" panose="02070309020205020404" pitchFamily="49" charset="0"/>
+              </a:rPr>
+              <a:t>&gt;&gt;&gt; </a:t>
+            </a:r>
+            <a:r>
+              <a:rPr lang="en-US" altLang="zh-CN" sz="1600" dirty="0" err="1">
+                <a:latin typeface="Courier New" panose="02070309020205020404" pitchFamily="49" charset="0"/>
+                <a:cs typeface="Courier New" panose="02070309020205020404" pitchFamily="49" charset="0"/>
+              </a:rPr>
+              <a:t>double_mydict</a:t>
+            </a:r>
+            <a:endParaRPr lang="en-US" altLang="zh-CN" sz="1600" dirty="0">
+              <a:latin typeface="Courier New" panose="02070309020205020404" pitchFamily="49" charset="0"/>
+              <a:cs typeface="Courier New" panose="02070309020205020404" pitchFamily="49" charset="0"/>
+            </a:endParaRPr>
+          </a:p>
+          <a:p>
+            <a:pPr marL="0" indent="0">
+              <a:buNone/>
+            </a:pPr>
+            <a:r>
+              <a:rPr lang="en-US" altLang="zh-CN" sz="1600" dirty="0">
+                <a:latin typeface="Courier New" panose="02070309020205020404" pitchFamily="49" charset="0"/>
+                <a:cs typeface="Courier New" panose="02070309020205020404" pitchFamily="49" charset="0"/>
+              </a:rPr>
+              <a:t>{'a': 2, 'b': 4, 'c': 6, 'd': 8, 'e': 10</a:t>
+            </a:r>
+            <a:r>
+              <a:rPr lang="en-US" altLang="zh-CN" sz="1600" dirty="0" smtClean="0">
+                <a:latin typeface="Courier New" panose="02070309020205020404" pitchFamily="49" charset="0"/>
+                <a:cs typeface="Courier New" panose="02070309020205020404" pitchFamily="49" charset="0"/>
+              </a:rPr>
+              <a:t>}</a:t>
+            </a:r>
+          </a:p>
+        </p:txBody>
+      </p:sp>
     </p:spTree>
     <p:extLst>
       <p:ext uri="{BB962C8B-B14F-4D97-AF65-F5344CB8AC3E}">
-        <p14:creationId xmlns:p14="http://schemas.microsoft.com/office/powerpoint/2010/main" val="336950443"/>
+        <p14:creationId xmlns:p14="http://schemas.microsoft.com/office/powerpoint/2010/main" val="246588084"/>
       </p:ext>
     </p:extLst>
   </p:cSld>
@@ -3260,7 +3360,282 @@
         </p:nvSpPr>
         <p:spPr/>
         <p:txBody>
+          <a:bodyPr>
+            <a:normAutofit lnSpcReduction="10000"/>
+          </a:bodyPr>
+          <a:lstStyle/>
+          <a:p>
+            <a:r>
+              <a:rPr lang="zh-CN" altLang="en-US" dirty="0" smtClean="0"/>
+              <a:t>反转列表</a:t>
+            </a:r>
+            <a:endParaRPr lang="en-US" altLang="zh-CN" dirty="0" smtClean="0"/>
+          </a:p>
+          <a:p>
+            <a:pPr marL="0" indent="0">
+              <a:buNone/>
+            </a:pPr>
+            <a:r>
+              <a:rPr lang="en-US" altLang="zh-CN" sz="1600" dirty="0">
+                <a:latin typeface="Courier New" panose="02070309020205020404" pitchFamily="49" charset="0"/>
+                <a:cs typeface="Courier New" panose="02070309020205020404" pitchFamily="49" charset="0"/>
+              </a:rPr>
+              <a:t>&gt;&gt;&gt; </a:t>
+            </a:r>
+            <a:r>
+              <a:rPr lang="en-US" altLang="zh-CN" sz="1600" dirty="0" err="1">
+                <a:latin typeface="Courier New" panose="02070309020205020404" pitchFamily="49" charset="0"/>
+                <a:cs typeface="Courier New" panose="02070309020205020404" pitchFamily="49" charset="0"/>
+              </a:rPr>
+              <a:t>nums</a:t>
+            </a:r>
+            <a:r>
+              <a:rPr lang="en-US" altLang="zh-CN" sz="1600" dirty="0">
+                <a:latin typeface="Courier New" panose="02070309020205020404" pitchFamily="49" charset="0"/>
+                <a:cs typeface="Courier New" panose="02070309020205020404" pitchFamily="49" charset="0"/>
+              </a:rPr>
+              <a:t> = [1, 2, 3]         </a:t>
+            </a:r>
+          </a:p>
+          <a:p>
+            <a:pPr marL="0" indent="0">
+              <a:buNone/>
+            </a:pPr>
+            <a:r>
+              <a:rPr lang="en-US" altLang="zh-CN" sz="1600" dirty="0">
+                <a:latin typeface="Courier New" panose="02070309020205020404" pitchFamily="49" charset="0"/>
+                <a:cs typeface="Courier New" panose="02070309020205020404" pitchFamily="49" charset="0"/>
+              </a:rPr>
+              <a:t>&gt;&gt;&gt; </a:t>
+            </a:r>
+            <a:r>
+              <a:rPr lang="en-US" altLang="zh-CN" sz="1600" dirty="0" err="1">
+                <a:latin typeface="Courier New" panose="02070309020205020404" pitchFamily="49" charset="0"/>
+                <a:cs typeface="Courier New" panose="02070309020205020404" pitchFamily="49" charset="0"/>
+              </a:rPr>
+              <a:t>reverse_nums</a:t>
+            </a:r>
+            <a:r>
+              <a:rPr lang="en-US" altLang="zh-CN" sz="1600" dirty="0">
+                <a:latin typeface="Courier New" panose="02070309020205020404" pitchFamily="49" charset="0"/>
+                <a:cs typeface="Courier New" panose="02070309020205020404" pitchFamily="49" charset="0"/>
+              </a:rPr>
+              <a:t> = </a:t>
+            </a:r>
+            <a:r>
+              <a:rPr lang="en-US" altLang="zh-CN" sz="1600" dirty="0" err="1">
+                <a:latin typeface="Courier New" panose="02070309020205020404" pitchFamily="49" charset="0"/>
+                <a:cs typeface="Courier New" panose="02070309020205020404" pitchFamily="49" charset="0"/>
+              </a:rPr>
+              <a:t>nums</a:t>
+            </a:r>
+            <a:r>
+              <a:rPr lang="en-US" altLang="zh-CN" sz="1600" dirty="0">
+                <a:latin typeface="Courier New" panose="02070309020205020404" pitchFamily="49" charset="0"/>
+                <a:cs typeface="Courier New" panose="02070309020205020404" pitchFamily="49" charset="0"/>
+              </a:rPr>
+              <a:t>[::-1]</a:t>
+            </a:r>
+          </a:p>
+          <a:p>
+            <a:pPr marL="0" indent="0">
+              <a:buNone/>
+            </a:pPr>
+            <a:r>
+              <a:rPr lang="en-US" altLang="zh-CN" sz="1600" dirty="0">
+                <a:latin typeface="Courier New" panose="02070309020205020404" pitchFamily="49" charset="0"/>
+                <a:cs typeface="Courier New" panose="02070309020205020404" pitchFamily="49" charset="0"/>
+              </a:rPr>
+              <a:t>&gt;&gt;&gt; </a:t>
+            </a:r>
+            <a:r>
+              <a:rPr lang="en-US" altLang="zh-CN" sz="1600" dirty="0" err="1">
+                <a:latin typeface="Courier New" panose="02070309020205020404" pitchFamily="49" charset="0"/>
+                <a:cs typeface="Courier New" panose="02070309020205020404" pitchFamily="49" charset="0"/>
+              </a:rPr>
+              <a:t>reverse_nums</a:t>
+            </a:r>
+            <a:r>
+              <a:rPr lang="en-US" altLang="zh-CN" sz="1600" dirty="0">
+                <a:latin typeface="Courier New" panose="02070309020205020404" pitchFamily="49" charset="0"/>
+                <a:cs typeface="Courier New" panose="02070309020205020404" pitchFamily="49" charset="0"/>
+              </a:rPr>
+              <a:t>             </a:t>
+            </a:r>
+          </a:p>
+          <a:p>
+            <a:pPr marL="0" indent="0">
+              <a:buNone/>
+            </a:pPr>
+            <a:r>
+              <a:rPr lang="en-US" altLang="zh-CN" sz="1600" dirty="0">
+                <a:latin typeface="Courier New" panose="02070309020205020404" pitchFamily="49" charset="0"/>
+                <a:cs typeface="Courier New" panose="02070309020205020404" pitchFamily="49" charset="0"/>
+              </a:rPr>
+              <a:t>[3, 2, 1] </a:t>
+            </a:r>
+            <a:endParaRPr lang="en-US" altLang="zh-CN" sz="1600" dirty="0" smtClean="0">
+              <a:latin typeface="Courier New" panose="02070309020205020404" pitchFamily="49" charset="0"/>
+              <a:cs typeface="Courier New" panose="02070309020205020404" pitchFamily="49" charset="0"/>
+            </a:endParaRPr>
+          </a:p>
+          <a:p>
+            <a:r>
+              <a:rPr lang="zh-CN" altLang="en-US" dirty="0" smtClean="0"/>
+              <a:t>变量交换</a:t>
+            </a:r>
+            <a:endParaRPr lang="en-US" altLang="zh-CN" dirty="0" smtClean="0"/>
+          </a:p>
+          <a:p>
+            <a:pPr marL="0" indent="0">
+              <a:buNone/>
+            </a:pPr>
+            <a:r>
+              <a:rPr lang="pt-BR" altLang="zh-CN" sz="1600" dirty="0">
+                <a:latin typeface="Courier New" panose="02070309020205020404" pitchFamily="49" charset="0"/>
+                <a:cs typeface="Courier New" panose="02070309020205020404" pitchFamily="49" charset="0"/>
+              </a:rPr>
+              <a:t>&gt;&gt;&gt; a, b = 1, 2</a:t>
+            </a:r>
+          </a:p>
+          <a:p>
+            <a:pPr marL="0" indent="0">
+              <a:buNone/>
+            </a:pPr>
+            <a:r>
+              <a:rPr lang="pt-BR" altLang="zh-CN" sz="1600" dirty="0">
+                <a:latin typeface="Courier New" panose="02070309020205020404" pitchFamily="49" charset="0"/>
+                <a:cs typeface="Courier New" panose="02070309020205020404" pitchFamily="49" charset="0"/>
+              </a:rPr>
+              <a:t>&gt;&gt;&gt; a, b</a:t>
+            </a:r>
+          </a:p>
+          <a:p>
+            <a:pPr marL="0" indent="0">
+              <a:buNone/>
+            </a:pPr>
+            <a:r>
+              <a:rPr lang="pt-BR" altLang="zh-CN" sz="1600" dirty="0">
+                <a:latin typeface="Courier New" panose="02070309020205020404" pitchFamily="49" charset="0"/>
+                <a:cs typeface="Courier New" panose="02070309020205020404" pitchFamily="49" charset="0"/>
+              </a:rPr>
+              <a:t>(1, 2)</a:t>
+            </a:r>
+          </a:p>
+          <a:p>
+            <a:pPr marL="0" indent="0">
+              <a:buNone/>
+            </a:pPr>
+            <a:r>
+              <a:rPr lang="pt-BR" altLang="zh-CN" sz="1600" dirty="0">
+                <a:latin typeface="Courier New" panose="02070309020205020404" pitchFamily="49" charset="0"/>
+                <a:cs typeface="Courier New" panose="02070309020205020404" pitchFamily="49" charset="0"/>
+              </a:rPr>
+              <a:t>&gt;&gt;&gt; a, b = b, a</a:t>
+            </a:r>
+          </a:p>
+          <a:p>
+            <a:pPr marL="0" indent="0">
+              <a:buNone/>
+            </a:pPr>
+            <a:r>
+              <a:rPr lang="pt-BR" altLang="zh-CN" sz="1600" dirty="0">
+                <a:latin typeface="Courier New" panose="02070309020205020404" pitchFamily="49" charset="0"/>
+                <a:cs typeface="Courier New" panose="02070309020205020404" pitchFamily="49" charset="0"/>
+              </a:rPr>
+              <a:t>&gt;&gt;&gt; a, b</a:t>
+            </a:r>
+          </a:p>
+          <a:p>
+            <a:pPr marL="0" indent="0">
+              <a:buNone/>
+            </a:pPr>
+            <a:r>
+              <a:rPr lang="pt-BR" altLang="zh-CN" sz="1600" dirty="0">
+                <a:latin typeface="Courier New" panose="02070309020205020404" pitchFamily="49" charset="0"/>
+                <a:cs typeface="Courier New" panose="02070309020205020404" pitchFamily="49" charset="0"/>
+              </a:rPr>
+              <a:t>(2, 1)</a:t>
+            </a:r>
+            <a:endParaRPr lang="zh-CN" altLang="en-US" sz="1600" dirty="0">
+              <a:latin typeface="Courier New" panose="02070309020205020404" pitchFamily="49" charset="0"/>
+              <a:cs typeface="Courier New" panose="02070309020205020404" pitchFamily="49" charset="0"/>
+            </a:endParaRPr>
+          </a:p>
+        </p:txBody>
+      </p:sp>
+    </p:spTree>
+    <p:extLst>
+      <p:ext uri="{BB962C8B-B14F-4D97-AF65-F5344CB8AC3E}">
+        <p14:creationId xmlns:p14="http://schemas.microsoft.com/office/powerpoint/2010/main" val="336950443"/>
+      </p:ext>
+    </p:extLst>
+  </p:cSld>
+  <p:clrMapOvr>
+    <a:masterClrMapping/>
+  </p:clrMapOvr>
+</p:sld>
+</file>
+
+<file path=ppt/slides/slide12.xml><?xml version="1.0" encoding="utf-8"?>
+<p:sld xmlns:a="http://schemas.openxmlformats.org/drawingml/2006/main" xmlns:r="http://schemas.openxmlformats.org/officeDocument/2006/relationships" xmlns:p="http://schemas.openxmlformats.org/presentationml/2006/main">
+  <p:cSld>
+    <p:spTree>
+      <p:nvGrpSpPr>
+        <p:cNvPr id="1" name=""/>
+        <p:cNvGrpSpPr/>
+        <p:nvPr/>
+      </p:nvGrpSpPr>
+      <p:grpSpPr>
+        <a:xfrm>
+          <a:off x="0" y="0"/>
+          <a:ext cx="0" cy="0"/>
+          <a:chOff x="0" y="0"/>
+          <a:chExt cx="0" cy="0"/>
+        </a:xfrm>
+      </p:grpSpPr>
+      <p:sp>
+        <p:nvSpPr>
+          <p:cNvPr id="2" name="标题 1"/>
+          <p:cNvSpPr>
+            <a:spLocks noGrp="1"/>
+          </p:cNvSpPr>
+          <p:nvPr>
+            <p:ph type="title"/>
+          </p:nvPr>
+        </p:nvSpPr>
+        <p:spPr/>
+        <p:txBody>
           <a:bodyPr/>
+          <a:lstStyle/>
+          <a:p>
+            <a:r>
+              <a:rPr lang="en-US" altLang="zh-CN" dirty="0" err="1" smtClean="0"/>
+              <a:t>Pythonic</a:t>
+            </a:r>
+            <a:r>
+              <a:rPr lang="zh-CN" altLang="en-US" dirty="0" smtClean="0"/>
+              <a:t>代码</a:t>
+            </a:r>
+            <a:endParaRPr lang="zh-CN" altLang="en-US" dirty="0"/>
+          </a:p>
+        </p:txBody>
+      </p:sp>
+      <p:sp>
+        <p:nvSpPr>
+          <p:cNvPr id="3" name="内容占位符 2"/>
+          <p:cNvSpPr>
+            <a:spLocks noGrp="1"/>
+          </p:cNvSpPr>
+          <p:nvPr>
+            <p:ph idx="1"/>
+          </p:nvPr>
+        </p:nvSpPr>
+        <p:spPr/>
+        <p:txBody>
+          <a:bodyPr>
+            <a:normAutofit fontScale="92500" lnSpcReduction="10000"/>
+          </a:bodyPr>
           <a:lstStyle/>
           <a:p>
             <a:r>
@@ -3277,18 +3652,503 @@
             <a:pPr marL="0" indent="0">
               <a:buNone/>
             </a:pPr>
+            <a:r>
+              <a:rPr lang="pt-BR" altLang="zh-CN" sz="1600" dirty="0">
+                <a:latin typeface="Courier New" panose="02070309020205020404" pitchFamily="49" charset="0"/>
+                <a:cs typeface="Courier New" panose="02070309020205020404" pitchFamily="49" charset="0"/>
+              </a:rPr>
+              <a:t>&gt;&gt;&gt; a, *b = 1, 2, 3</a:t>
+            </a:r>
+          </a:p>
+          <a:p>
+            <a:pPr marL="0" indent="0">
+              <a:buNone/>
+            </a:pPr>
+            <a:r>
+              <a:rPr lang="pt-BR" altLang="zh-CN" sz="1600" dirty="0">
+                <a:latin typeface="Courier New" panose="02070309020205020404" pitchFamily="49" charset="0"/>
+                <a:cs typeface="Courier New" panose="02070309020205020404" pitchFamily="49" charset="0"/>
+              </a:rPr>
+              <a:t>&gt;&gt;&gt; a, b</a:t>
+            </a:r>
+          </a:p>
+          <a:p>
+            <a:pPr marL="0" indent="0">
+              <a:buNone/>
+            </a:pPr>
+            <a:r>
+              <a:rPr lang="pt-BR" altLang="zh-CN" sz="1600" dirty="0">
+                <a:latin typeface="Courier New" panose="02070309020205020404" pitchFamily="49" charset="0"/>
+                <a:cs typeface="Courier New" panose="02070309020205020404" pitchFamily="49" charset="0"/>
+              </a:rPr>
+              <a:t>(1, [2, 3</a:t>
+            </a:r>
+            <a:r>
+              <a:rPr lang="pt-BR" altLang="zh-CN" sz="1600" dirty="0" smtClean="0">
+                <a:latin typeface="Courier New" panose="02070309020205020404" pitchFamily="49" charset="0"/>
+                <a:cs typeface="Courier New" panose="02070309020205020404" pitchFamily="49" charset="0"/>
+              </a:rPr>
+              <a:t>])</a:t>
+            </a:r>
+          </a:p>
+          <a:p>
+            <a:r>
+              <a:rPr lang="en-US" altLang="zh-CN" dirty="0" smtClean="0"/>
+              <a:t>f</a:t>
+            </a:r>
+            <a:r>
+              <a:rPr lang="pt-BR" altLang="zh-CN" dirty="0" smtClean="0"/>
+              <a:t>or </a:t>
+            </a:r>
+            <a:r>
+              <a:rPr lang="pt-BR" altLang="zh-CN" dirty="0"/>
+              <a:t>else </a:t>
+            </a:r>
+            <a:r>
+              <a:rPr lang="zh-CN" altLang="en-US" dirty="0"/>
+              <a:t>语句</a:t>
+            </a:r>
+            <a:endParaRPr lang="en-US" altLang="zh-CN" dirty="0"/>
+          </a:p>
+          <a:p>
+            <a:pPr marL="0" indent="0">
+              <a:buNone/>
+            </a:pPr>
+            <a:r>
+              <a:rPr lang="en-US" altLang="zh-CN" sz="1500" dirty="0">
+                <a:latin typeface="Courier New" panose="02070309020205020404" pitchFamily="49" charset="0"/>
+                <a:cs typeface="Courier New" panose="02070309020205020404" pitchFamily="49" charset="0"/>
+              </a:rPr>
+              <a:t>&gt;&gt;&gt; for </a:t>
+            </a:r>
+            <a:r>
+              <a:rPr lang="en-US" altLang="zh-CN" sz="1500" dirty="0" err="1">
+                <a:latin typeface="Courier New" panose="02070309020205020404" pitchFamily="49" charset="0"/>
+                <a:cs typeface="Courier New" panose="02070309020205020404" pitchFamily="49" charset="0"/>
+              </a:rPr>
+              <a:t>i</a:t>
+            </a:r>
+            <a:r>
+              <a:rPr lang="en-US" altLang="zh-CN" sz="1500" dirty="0">
+                <a:latin typeface="Courier New" panose="02070309020205020404" pitchFamily="49" charset="0"/>
+                <a:cs typeface="Courier New" panose="02070309020205020404" pitchFamily="49" charset="0"/>
+              </a:rPr>
+              <a:t> in range(10):                    </a:t>
+            </a:r>
+          </a:p>
+          <a:p>
+            <a:pPr marL="0" indent="0">
+              <a:buNone/>
+            </a:pPr>
+            <a:r>
+              <a:rPr lang="en-US" altLang="zh-CN" sz="1500" dirty="0">
+                <a:latin typeface="Courier New" panose="02070309020205020404" pitchFamily="49" charset="0"/>
+                <a:cs typeface="Courier New" panose="02070309020205020404" pitchFamily="49" charset="0"/>
+              </a:rPr>
+              <a:t>...     if </a:t>
+            </a:r>
+            <a:r>
+              <a:rPr lang="en-US" altLang="zh-CN" sz="1500" dirty="0" err="1">
+                <a:latin typeface="Courier New" panose="02070309020205020404" pitchFamily="49" charset="0"/>
+                <a:cs typeface="Courier New" panose="02070309020205020404" pitchFamily="49" charset="0"/>
+              </a:rPr>
+              <a:t>i</a:t>
+            </a:r>
+            <a:r>
+              <a:rPr lang="en-US" altLang="zh-CN" sz="1500" dirty="0">
+                <a:latin typeface="Courier New" panose="02070309020205020404" pitchFamily="49" charset="0"/>
+                <a:cs typeface="Courier New" panose="02070309020205020404" pitchFamily="49" charset="0"/>
+              </a:rPr>
+              <a:t> == 5:                         </a:t>
+            </a:r>
+          </a:p>
+          <a:p>
+            <a:pPr marL="0" indent="0">
+              <a:buNone/>
+            </a:pPr>
+            <a:r>
+              <a:rPr lang="en-US" altLang="zh-CN" sz="1500" dirty="0">
+                <a:latin typeface="Courier New" panose="02070309020205020404" pitchFamily="49" charset="0"/>
+                <a:cs typeface="Courier New" panose="02070309020205020404" pitchFamily="49" charset="0"/>
+              </a:rPr>
+              <a:t>...         print('found it! </a:t>
+            </a:r>
+            <a:r>
+              <a:rPr lang="en-US" altLang="zh-CN" sz="1500" dirty="0" err="1">
+                <a:latin typeface="Courier New" panose="02070309020205020404" pitchFamily="49" charset="0"/>
+                <a:cs typeface="Courier New" panose="02070309020205020404" pitchFamily="49" charset="0"/>
+              </a:rPr>
+              <a:t>i</a:t>
+            </a:r>
+            <a:r>
+              <a:rPr lang="en-US" altLang="zh-CN" sz="1500" dirty="0">
+                <a:latin typeface="Courier New" panose="02070309020205020404" pitchFamily="49" charset="0"/>
+                <a:cs typeface="Courier New" panose="02070309020205020404" pitchFamily="49" charset="0"/>
+              </a:rPr>
+              <a:t> == %s' % </a:t>
+            </a:r>
+            <a:r>
+              <a:rPr lang="en-US" altLang="zh-CN" sz="1500" dirty="0" err="1">
+                <a:latin typeface="Courier New" panose="02070309020205020404" pitchFamily="49" charset="0"/>
+                <a:cs typeface="Courier New" panose="02070309020205020404" pitchFamily="49" charset="0"/>
+              </a:rPr>
+              <a:t>i</a:t>
+            </a:r>
+            <a:r>
+              <a:rPr lang="en-US" altLang="zh-CN" sz="1500" dirty="0">
+                <a:latin typeface="Courier New" panose="02070309020205020404" pitchFamily="49" charset="0"/>
+                <a:cs typeface="Courier New" panose="02070309020205020404" pitchFamily="49" charset="0"/>
+              </a:rPr>
+              <a:t>) </a:t>
+            </a:r>
+          </a:p>
+          <a:p>
+            <a:pPr marL="0" indent="0">
+              <a:buNone/>
+            </a:pPr>
+            <a:r>
+              <a:rPr lang="en-US" altLang="zh-CN" sz="1500" dirty="0">
+                <a:latin typeface="Courier New" panose="02070309020205020404" pitchFamily="49" charset="0"/>
+                <a:cs typeface="Courier New" panose="02070309020205020404" pitchFamily="49" charset="0"/>
+              </a:rPr>
+              <a:t>...         break                          </a:t>
+            </a:r>
+          </a:p>
+          <a:p>
+            <a:pPr marL="0" indent="0">
+              <a:buNone/>
+            </a:pPr>
+            <a:r>
+              <a:rPr lang="en-US" altLang="zh-CN" sz="1500" dirty="0">
+                <a:latin typeface="Courier New" panose="02070309020205020404" pitchFamily="49" charset="0"/>
+                <a:cs typeface="Courier New" panose="02070309020205020404" pitchFamily="49" charset="0"/>
+              </a:rPr>
+              <a:t>... else:                                  </a:t>
+            </a:r>
+          </a:p>
+          <a:p>
+            <a:pPr marL="0" indent="0">
+              <a:buNone/>
+            </a:pPr>
+            <a:r>
+              <a:rPr lang="en-US" altLang="zh-CN" sz="1500" dirty="0">
+                <a:latin typeface="Courier New" panose="02070309020205020404" pitchFamily="49" charset="0"/>
+                <a:cs typeface="Courier New" panose="02070309020205020404" pitchFamily="49" charset="0"/>
+              </a:rPr>
+              <a:t>...     print('not found it ...')          </a:t>
+            </a:r>
+          </a:p>
+          <a:p>
+            <a:pPr marL="0" indent="0">
+              <a:buNone/>
+            </a:pPr>
+            <a:r>
+              <a:rPr lang="en-US" altLang="zh-CN" sz="1500" dirty="0">
+                <a:latin typeface="Courier New" panose="02070309020205020404" pitchFamily="49" charset="0"/>
+                <a:cs typeface="Courier New" panose="02070309020205020404" pitchFamily="49" charset="0"/>
+              </a:rPr>
+              <a:t>...                                        </a:t>
+            </a:r>
+          </a:p>
+          <a:p>
+            <a:pPr marL="0" indent="0">
+              <a:buNone/>
+            </a:pPr>
+            <a:r>
+              <a:rPr lang="en-US" altLang="zh-CN" sz="1500" dirty="0">
+                <a:latin typeface="Courier New" panose="02070309020205020404" pitchFamily="49" charset="0"/>
+                <a:cs typeface="Courier New" panose="02070309020205020404" pitchFamily="49" charset="0"/>
+              </a:rPr>
+              <a:t>found it! </a:t>
+            </a:r>
+            <a:r>
+              <a:rPr lang="en-US" altLang="zh-CN" sz="1500" dirty="0" err="1">
+                <a:latin typeface="Courier New" panose="02070309020205020404" pitchFamily="49" charset="0"/>
+                <a:cs typeface="Courier New" panose="02070309020205020404" pitchFamily="49" charset="0"/>
+              </a:rPr>
+              <a:t>i</a:t>
+            </a:r>
+            <a:r>
+              <a:rPr lang="en-US" altLang="zh-CN" sz="1500" dirty="0">
+                <a:latin typeface="Courier New" panose="02070309020205020404" pitchFamily="49" charset="0"/>
+                <a:cs typeface="Courier New" panose="02070309020205020404" pitchFamily="49" charset="0"/>
+              </a:rPr>
+              <a:t> == 5 </a:t>
+            </a:r>
+          </a:p>
+        </p:txBody>
+      </p:sp>
+    </p:spTree>
+    <p:extLst>
+      <p:ext uri="{BB962C8B-B14F-4D97-AF65-F5344CB8AC3E}">
+        <p14:creationId xmlns:p14="http://schemas.microsoft.com/office/powerpoint/2010/main" val="2846546725"/>
+      </p:ext>
+    </p:extLst>
+  </p:cSld>
+  <p:clrMapOvr>
+    <a:masterClrMapping/>
+  </p:clrMapOvr>
+</p:sld>
+</file>
+
+<file path=ppt/slides/slide13.xml><?xml version="1.0" encoding="utf-8"?>
+<p:sld xmlns:a="http://schemas.openxmlformats.org/drawingml/2006/main" xmlns:r="http://schemas.openxmlformats.org/officeDocument/2006/relationships" xmlns:p="http://schemas.openxmlformats.org/presentationml/2006/main">
+  <p:cSld>
+    <p:spTree>
+      <p:nvGrpSpPr>
+        <p:cNvPr id="1" name=""/>
+        <p:cNvGrpSpPr/>
+        <p:nvPr/>
+      </p:nvGrpSpPr>
+      <p:grpSpPr>
+        <a:xfrm>
+          <a:off x="0" y="0"/>
+          <a:ext cx="0" cy="0"/>
+          <a:chOff x="0" y="0"/>
+          <a:chExt cx="0" cy="0"/>
+        </a:xfrm>
+      </p:grpSpPr>
+      <p:sp>
+        <p:nvSpPr>
+          <p:cNvPr id="2" name="标题 1"/>
+          <p:cNvSpPr>
+            <a:spLocks noGrp="1"/>
+          </p:cNvSpPr>
+          <p:nvPr>
+            <p:ph type="title"/>
+          </p:nvPr>
+        </p:nvSpPr>
+        <p:spPr/>
+        <p:txBody>
+          <a:bodyPr/>
+          <a:lstStyle/>
+          <a:p>
+            <a:r>
+              <a:rPr lang="en-US" altLang="zh-CN" dirty="0" err="1" smtClean="0"/>
+              <a:t>Pythonic</a:t>
+            </a:r>
+            <a:r>
+              <a:rPr lang="zh-CN" altLang="en-US" dirty="0" smtClean="0"/>
+              <a:t>代码</a:t>
+            </a:r>
+            <a:endParaRPr lang="zh-CN" altLang="en-US" dirty="0"/>
+          </a:p>
+        </p:txBody>
+      </p:sp>
+      <p:sp>
+        <p:nvSpPr>
+          <p:cNvPr id="3" name="内容占位符 2"/>
+          <p:cNvSpPr>
+            <a:spLocks noGrp="1"/>
+          </p:cNvSpPr>
+          <p:nvPr>
+            <p:ph idx="1"/>
+          </p:nvPr>
+        </p:nvSpPr>
+        <p:spPr/>
+        <p:txBody>
+          <a:bodyPr>
+            <a:normAutofit/>
+          </a:bodyPr>
+          <a:lstStyle/>
+          <a:p>
+            <a:r>
+              <a:rPr lang="zh-CN" altLang="en-US" dirty="0" smtClean="0"/>
+              <a:t>上下文管理</a:t>
+            </a:r>
             <a:endParaRPr lang="en-US" altLang="zh-CN" dirty="0" smtClean="0"/>
           </a:p>
           <a:p>
             <a:pPr marL="0" indent="0">
               <a:buNone/>
             </a:pPr>
-            <a:endParaRPr lang="en-US" altLang="zh-CN" dirty="0"/>
+            <a:r>
+              <a:rPr lang="pt-BR" altLang="zh-CN" sz="1600" dirty="0">
+                <a:latin typeface="Courier New" panose="02070309020205020404" pitchFamily="49" charset="0"/>
+                <a:cs typeface="Courier New" panose="02070309020205020404" pitchFamily="49" charset="0"/>
+              </a:rPr>
+              <a:t>&gt;&gt;&gt; </a:t>
+            </a:r>
+            <a:r>
+              <a:rPr lang="en-US" altLang="zh-CN" sz="1600" dirty="0">
+                <a:latin typeface="Courier New" panose="02070309020205020404" pitchFamily="49" charset="0"/>
+                <a:cs typeface="Courier New" panose="02070309020205020404" pitchFamily="49" charset="0"/>
+              </a:rPr>
+              <a:t>with open('\data\data.txt') as </a:t>
+            </a:r>
+            <a:r>
+              <a:rPr lang="en-US" altLang="zh-CN" sz="1600" dirty="0" err="1">
+                <a:latin typeface="Courier New" panose="02070309020205020404" pitchFamily="49" charset="0"/>
+                <a:cs typeface="Courier New" panose="02070309020205020404" pitchFamily="49" charset="0"/>
+              </a:rPr>
+              <a:t>myfile</a:t>
+            </a:r>
+            <a:r>
+              <a:rPr lang="en-US" altLang="zh-CN" sz="1600" dirty="0" smtClean="0">
+                <a:latin typeface="Courier New" panose="02070309020205020404" pitchFamily="49" charset="0"/>
+                <a:cs typeface="Courier New" panose="02070309020205020404" pitchFamily="49" charset="0"/>
+              </a:rPr>
+              <a:t>:</a:t>
+            </a:r>
           </a:p>
           <a:p>
             <a:pPr marL="0" indent="0">
               <a:buNone/>
             </a:pPr>
+            <a:r>
+              <a:rPr lang="en-US" altLang="zh-CN" sz="1600" dirty="0">
+                <a:latin typeface="Courier New" panose="02070309020205020404" pitchFamily="49" charset="0"/>
+                <a:cs typeface="Courier New" panose="02070309020205020404" pitchFamily="49" charset="0"/>
+              </a:rPr>
+              <a:t>... </a:t>
+            </a:r>
+            <a:r>
+              <a:rPr lang="en-US" altLang="zh-CN" sz="1600" dirty="0" smtClean="0">
+                <a:latin typeface="Courier New" panose="02070309020205020404" pitchFamily="49" charset="0"/>
+                <a:cs typeface="Courier New" panose="02070309020205020404" pitchFamily="49" charset="0"/>
+              </a:rPr>
+              <a:t>    for </a:t>
+            </a:r>
+            <a:r>
+              <a:rPr lang="en-US" altLang="zh-CN" sz="1600" dirty="0">
+                <a:latin typeface="Courier New" panose="02070309020205020404" pitchFamily="49" charset="0"/>
+                <a:cs typeface="Courier New" panose="02070309020205020404" pitchFamily="49" charset="0"/>
+              </a:rPr>
+              <a:t>line in </a:t>
+            </a:r>
+            <a:r>
+              <a:rPr lang="en-US" altLang="zh-CN" sz="1600" dirty="0" err="1">
+                <a:latin typeface="Courier New" panose="02070309020205020404" pitchFamily="49" charset="0"/>
+                <a:cs typeface="Courier New" panose="02070309020205020404" pitchFamily="49" charset="0"/>
+              </a:rPr>
+              <a:t>myfile</a:t>
+            </a:r>
+            <a:r>
+              <a:rPr lang="en-US" altLang="zh-CN" sz="1600" dirty="0" smtClean="0">
+                <a:latin typeface="Courier New" panose="02070309020205020404" pitchFamily="49" charset="0"/>
+                <a:cs typeface="Courier New" panose="02070309020205020404" pitchFamily="49" charset="0"/>
+              </a:rPr>
+              <a:t>:</a:t>
+            </a:r>
+          </a:p>
+          <a:p>
+            <a:pPr marL="0" indent="0">
+              <a:buNone/>
+            </a:pPr>
+            <a:r>
+              <a:rPr lang="en-US" altLang="zh-CN" sz="1600" dirty="0">
+                <a:latin typeface="Courier New" panose="02070309020205020404" pitchFamily="49" charset="0"/>
+                <a:cs typeface="Courier New" panose="02070309020205020404" pitchFamily="49" charset="0"/>
+              </a:rPr>
+              <a:t>... </a:t>
+            </a:r>
+            <a:r>
+              <a:rPr lang="en-US" altLang="zh-CN" sz="1600" dirty="0" smtClean="0">
+                <a:latin typeface="Courier New" panose="02070309020205020404" pitchFamily="49" charset="0"/>
+                <a:cs typeface="Courier New" panose="02070309020205020404" pitchFamily="49" charset="0"/>
+              </a:rPr>
+              <a:t>        ...</a:t>
+            </a:r>
+            <a:r>
+              <a:rPr lang="en-US" altLang="zh-CN" sz="1600" dirty="0">
+                <a:latin typeface="Courier New" panose="02070309020205020404" pitchFamily="49" charset="0"/>
+                <a:cs typeface="Courier New" panose="02070309020205020404" pitchFamily="49" charset="0"/>
+              </a:rPr>
+              <a:t>use line here</a:t>
+            </a:r>
+            <a:r>
+              <a:rPr lang="en-US" altLang="zh-CN" sz="1600" dirty="0" smtClean="0">
+                <a:latin typeface="Courier New" panose="02070309020205020404" pitchFamily="49" charset="0"/>
+                <a:cs typeface="Courier New" panose="02070309020205020404" pitchFamily="49" charset="0"/>
+              </a:rPr>
+              <a:t>...</a:t>
+            </a:r>
+          </a:p>
+        </p:txBody>
+      </p:sp>
+    </p:spTree>
+    <p:extLst>
+      <p:ext uri="{BB962C8B-B14F-4D97-AF65-F5344CB8AC3E}">
+        <p14:creationId xmlns:p14="http://schemas.microsoft.com/office/powerpoint/2010/main" val="3250451586"/>
+      </p:ext>
+    </p:extLst>
+  </p:cSld>
+  <p:clrMapOvr>
+    <a:masterClrMapping/>
+  </p:clrMapOvr>
+</p:sld>
+</file>
+
+<file path=ppt/slides/slide14.xml><?xml version="1.0" encoding="utf-8"?>
+<p:sld xmlns:a="http://schemas.openxmlformats.org/drawingml/2006/main" xmlns:r="http://schemas.openxmlformats.org/officeDocument/2006/relationships" xmlns:p="http://schemas.openxmlformats.org/presentationml/2006/main">
+  <p:cSld>
+    <p:spTree>
+      <p:nvGrpSpPr>
+        <p:cNvPr id="1" name=""/>
+        <p:cNvGrpSpPr/>
+        <p:nvPr/>
+      </p:nvGrpSpPr>
+      <p:grpSpPr>
+        <a:xfrm>
+          <a:off x="0" y="0"/>
+          <a:ext cx="0" cy="0"/>
+          <a:chOff x="0" y="0"/>
+          <a:chExt cx="0" cy="0"/>
+        </a:xfrm>
+      </p:grpSpPr>
+      <p:sp>
+        <p:nvSpPr>
+          <p:cNvPr id="2" name="标题 1"/>
+          <p:cNvSpPr>
+            <a:spLocks noGrp="1"/>
+          </p:cNvSpPr>
+          <p:nvPr>
+            <p:ph type="title"/>
+          </p:nvPr>
+        </p:nvSpPr>
+        <p:spPr/>
+        <p:txBody>
+          <a:bodyPr/>
+          <a:lstStyle/>
+          <a:p>
+            <a:r>
+              <a:rPr lang="en-US" altLang="zh-CN" dirty="0" err="1" smtClean="0"/>
+              <a:t>Pythonic</a:t>
+            </a:r>
+            <a:r>
+              <a:rPr lang="zh-CN" altLang="en-US" dirty="0" smtClean="0"/>
+              <a:t>代码</a:t>
+            </a:r>
+            <a:endParaRPr lang="zh-CN" altLang="en-US" dirty="0"/>
+          </a:p>
+        </p:txBody>
+      </p:sp>
+      <p:sp>
+        <p:nvSpPr>
+          <p:cNvPr id="3" name="内容占位符 2"/>
+          <p:cNvSpPr>
+            <a:spLocks noGrp="1"/>
+          </p:cNvSpPr>
+          <p:nvPr>
+            <p:ph idx="1"/>
+          </p:nvPr>
+        </p:nvSpPr>
+        <p:spPr>
+          <a:xfrm>
+            <a:off x="838200" y="1532709"/>
+            <a:ext cx="10515600" cy="4981302"/>
+          </a:xfrm>
+        </p:spPr>
+        <p:txBody>
+          <a:bodyPr>
+            <a:normAutofit fontScale="92500" lnSpcReduction="20000"/>
+          </a:bodyPr>
+          <a:lstStyle/>
+          <a:p>
+            <a:r>
+              <a:rPr lang="zh-CN" altLang="en-US" dirty="0" smtClean="0"/>
+              <a:t>排序</a:t>
+            </a:r>
             <a:endParaRPr lang="en-US" altLang="zh-CN" dirty="0" smtClean="0"/>
           </a:p>
           <a:p>
@@ -3296,22 +4156,1184 @@
               <a:buNone/>
             </a:pPr>
             <a:r>
+              <a:rPr lang="en-US" altLang="zh-CN" sz="1500" dirty="0">
+                <a:latin typeface="Courier New" panose="02070309020205020404" pitchFamily="49" charset="0"/>
+                <a:cs typeface="Courier New" panose="02070309020205020404" pitchFamily="49" charset="0"/>
+              </a:rPr>
+              <a:t>&gt;&gt;&gt; from operator import </a:t>
+            </a:r>
+            <a:r>
+              <a:rPr lang="en-US" altLang="zh-CN" sz="1500" dirty="0" err="1" smtClean="0">
+                <a:latin typeface="Courier New" panose="02070309020205020404" pitchFamily="49" charset="0"/>
+                <a:cs typeface="Courier New" panose="02070309020205020404" pitchFamily="49" charset="0"/>
+              </a:rPr>
+              <a:t>itemgetter</a:t>
+            </a:r>
+            <a:endParaRPr lang="en-US" altLang="zh-CN" sz="1500" dirty="0" smtClean="0">
+              <a:latin typeface="Courier New" panose="02070309020205020404" pitchFamily="49" charset="0"/>
+              <a:cs typeface="Courier New" panose="02070309020205020404" pitchFamily="49" charset="0"/>
+            </a:endParaRPr>
+          </a:p>
+          <a:p>
+            <a:pPr marL="0" indent="0">
+              <a:buNone/>
+            </a:pPr>
+            <a:r>
+              <a:rPr lang="en-US" altLang="zh-CN" sz="1500" dirty="0">
+                <a:latin typeface="Courier New" panose="02070309020205020404" pitchFamily="49" charset="0"/>
+                <a:cs typeface="Courier New" panose="02070309020205020404" pitchFamily="49" charset="0"/>
+              </a:rPr>
+              <a:t>&gt;&gt;&gt; </a:t>
+            </a:r>
+            <a:r>
+              <a:rPr lang="en-US" altLang="zh-CN" sz="1500" dirty="0" err="1">
+                <a:latin typeface="Courier New" panose="02070309020205020404" pitchFamily="49" charset="0"/>
+                <a:cs typeface="Courier New" panose="02070309020205020404" pitchFamily="49" charset="0"/>
+              </a:rPr>
+              <a:t>student_tuples</a:t>
+            </a:r>
+            <a:r>
+              <a:rPr lang="en-US" altLang="zh-CN" sz="1500" dirty="0">
+                <a:latin typeface="Courier New" panose="02070309020205020404" pitchFamily="49" charset="0"/>
+                <a:cs typeface="Courier New" panose="02070309020205020404" pitchFamily="49" charset="0"/>
+              </a:rPr>
+              <a:t> = [</a:t>
+            </a:r>
+          </a:p>
+          <a:p>
+            <a:pPr marL="0" indent="0">
+              <a:buNone/>
+            </a:pPr>
+            <a:r>
+              <a:rPr lang="en-US" altLang="zh-CN" sz="1500" dirty="0">
+                <a:latin typeface="Courier New" panose="02070309020205020404" pitchFamily="49" charset="0"/>
+                <a:cs typeface="Courier New" panose="02070309020205020404" pitchFamily="49" charset="0"/>
+              </a:rPr>
+              <a:t>...     ('john', 'A', 15),</a:t>
+            </a:r>
+          </a:p>
+          <a:p>
+            <a:pPr marL="0" indent="0">
+              <a:buNone/>
+            </a:pPr>
+            <a:r>
+              <a:rPr lang="en-US" altLang="zh-CN" sz="1500" dirty="0">
+                <a:latin typeface="Courier New" panose="02070309020205020404" pitchFamily="49" charset="0"/>
+                <a:cs typeface="Courier New" panose="02070309020205020404" pitchFamily="49" charset="0"/>
+              </a:rPr>
+              <a:t>...     ('jane', 'B', 12),</a:t>
+            </a:r>
+          </a:p>
+          <a:p>
+            <a:pPr marL="0" indent="0">
+              <a:buNone/>
+            </a:pPr>
+            <a:r>
+              <a:rPr lang="en-US" altLang="zh-CN" sz="1500" dirty="0">
+                <a:latin typeface="Courier New" panose="02070309020205020404" pitchFamily="49" charset="0"/>
+                <a:cs typeface="Courier New" panose="02070309020205020404" pitchFamily="49" charset="0"/>
+              </a:rPr>
+              <a:t>...     ('</a:t>
+            </a:r>
+            <a:r>
+              <a:rPr lang="en-US" altLang="zh-CN" sz="1500" dirty="0" err="1">
+                <a:latin typeface="Courier New" panose="02070309020205020404" pitchFamily="49" charset="0"/>
+                <a:cs typeface="Courier New" panose="02070309020205020404" pitchFamily="49" charset="0"/>
+              </a:rPr>
+              <a:t>dave</a:t>
+            </a:r>
+            <a:r>
+              <a:rPr lang="en-US" altLang="zh-CN" sz="1500" dirty="0">
+                <a:latin typeface="Courier New" panose="02070309020205020404" pitchFamily="49" charset="0"/>
+                <a:cs typeface="Courier New" panose="02070309020205020404" pitchFamily="49" charset="0"/>
+              </a:rPr>
+              <a:t>', 'B', 10),</a:t>
+            </a:r>
+          </a:p>
+          <a:p>
+            <a:pPr marL="0" indent="0">
+              <a:buNone/>
+            </a:pPr>
+            <a:r>
+              <a:rPr lang="en-US" altLang="zh-CN" sz="1500" dirty="0">
+                <a:latin typeface="Courier New" panose="02070309020205020404" pitchFamily="49" charset="0"/>
+                <a:cs typeface="Courier New" panose="02070309020205020404" pitchFamily="49" charset="0"/>
+              </a:rPr>
+              <a:t>... </a:t>
+            </a:r>
+            <a:r>
+              <a:rPr lang="en-US" altLang="zh-CN" sz="1500" dirty="0" smtClean="0">
+                <a:latin typeface="Courier New" panose="02070309020205020404" pitchFamily="49" charset="0"/>
+                <a:cs typeface="Courier New" panose="02070309020205020404" pitchFamily="49" charset="0"/>
+              </a:rPr>
+              <a:t>]</a:t>
+            </a:r>
+          </a:p>
+          <a:p>
+            <a:pPr marL="0" indent="0">
+              <a:buNone/>
+            </a:pPr>
+            <a:r>
+              <a:rPr lang="en-US" altLang="zh-CN" sz="1500" dirty="0">
+                <a:latin typeface="Courier New" panose="02070309020205020404" pitchFamily="49" charset="0"/>
+                <a:cs typeface="Courier New" panose="02070309020205020404" pitchFamily="49" charset="0"/>
+              </a:rPr>
+              <a:t>&gt;&gt;&gt; sorted(</a:t>
+            </a:r>
+            <a:r>
+              <a:rPr lang="en-US" altLang="zh-CN" sz="1500" dirty="0" err="1">
+                <a:latin typeface="Courier New" panose="02070309020205020404" pitchFamily="49" charset="0"/>
+                <a:cs typeface="Courier New" panose="02070309020205020404" pitchFamily="49" charset="0"/>
+              </a:rPr>
+              <a:t>student_tuples</a:t>
+            </a:r>
+            <a:r>
+              <a:rPr lang="en-US" altLang="zh-CN" sz="1500" dirty="0">
+                <a:latin typeface="Courier New" panose="02070309020205020404" pitchFamily="49" charset="0"/>
+                <a:cs typeface="Courier New" panose="02070309020205020404" pitchFamily="49" charset="0"/>
+              </a:rPr>
+              <a:t>, key=</a:t>
+            </a:r>
+            <a:r>
+              <a:rPr lang="en-US" altLang="zh-CN" sz="1500" dirty="0" err="1">
+                <a:latin typeface="Courier New" panose="02070309020205020404" pitchFamily="49" charset="0"/>
+                <a:cs typeface="Courier New" panose="02070309020205020404" pitchFamily="49" charset="0"/>
+              </a:rPr>
+              <a:t>itemgetter</a:t>
+            </a:r>
+            <a:r>
+              <a:rPr lang="en-US" altLang="zh-CN" sz="1500" dirty="0">
+                <a:latin typeface="Courier New" panose="02070309020205020404" pitchFamily="49" charset="0"/>
+                <a:cs typeface="Courier New" panose="02070309020205020404" pitchFamily="49" charset="0"/>
+              </a:rPr>
+              <a:t>(0</a:t>
+            </a:r>
+            <a:r>
+              <a:rPr lang="en-US" altLang="zh-CN" sz="1500" dirty="0" smtClean="0">
+                <a:latin typeface="Courier New" panose="02070309020205020404" pitchFamily="49" charset="0"/>
+                <a:cs typeface="Courier New" panose="02070309020205020404" pitchFamily="49" charset="0"/>
+              </a:rPr>
+              <a:t>))</a:t>
+            </a:r>
+          </a:p>
+          <a:p>
+            <a:pPr marL="0" indent="0">
+              <a:buNone/>
+            </a:pPr>
+            <a:r>
+              <a:rPr lang="en-US" altLang="zh-CN" sz="1500" dirty="0">
+                <a:latin typeface="Courier New" panose="02070309020205020404" pitchFamily="49" charset="0"/>
+                <a:cs typeface="Courier New" panose="02070309020205020404" pitchFamily="49" charset="0"/>
+              </a:rPr>
+              <a:t>[('</a:t>
+            </a:r>
+            <a:r>
+              <a:rPr lang="en-US" altLang="zh-CN" sz="1500" dirty="0" err="1">
+                <a:latin typeface="Courier New" panose="02070309020205020404" pitchFamily="49" charset="0"/>
+                <a:cs typeface="Courier New" panose="02070309020205020404" pitchFamily="49" charset="0"/>
+              </a:rPr>
+              <a:t>dave</a:t>
+            </a:r>
+            <a:r>
+              <a:rPr lang="en-US" altLang="zh-CN" sz="1500" dirty="0">
+                <a:latin typeface="Courier New" panose="02070309020205020404" pitchFamily="49" charset="0"/>
+                <a:cs typeface="Courier New" panose="02070309020205020404" pitchFamily="49" charset="0"/>
+              </a:rPr>
+              <a:t>', 'B', 10), ('jane', 'B', 12), ('john', 'A', 15</a:t>
+            </a:r>
+            <a:r>
+              <a:rPr lang="en-US" altLang="zh-CN" sz="1500" dirty="0" smtClean="0">
+                <a:latin typeface="Courier New" panose="02070309020205020404" pitchFamily="49" charset="0"/>
+                <a:cs typeface="Courier New" panose="02070309020205020404" pitchFamily="49" charset="0"/>
+              </a:rPr>
+              <a:t>)]</a:t>
+            </a:r>
+          </a:p>
+          <a:p>
+            <a:pPr marL="0" indent="0">
+              <a:buNone/>
+            </a:pPr>
+            <a:r>
+              <a:rPr lang="en-US" altLang="zh-CN" sz="1500" dirty="0" smtClean="0">
+                <a:latin typeface="Courier New" panose="02070309020205020404" pitchFamily="49" charset="0"/>
+                <a:cs typeface="Courier New" panose="02070309020205020404" pitchFamily="49" charset="0"/>
+              </a:rPr>
+              <a:t>&gt;&gt;&gt; </a:t>
+            </a:r>
+            <a:r>
+              <a:rPr lang="en-US" altLang="zh-CN" sz="1500" dirty="0">
+                <a:latin typeface="Courier New" panose="02070309020205020404" pitchFamily="49" charset="0"/>
+                <a:cs typeface="Courier New" panose="02070309020205020404" pitchFamily="49" charset="0"/>
+              </a:rPr>
+              <a:t>sorted(</a:t>
+            </a:r>
+            <a:r>
+              <a:rPr lang="en-US" altLang="zh-CN" sz="1500" dirty="0" err="1">
+                <a:latin typeface="Courier New" panose="02070309020205020404" pitchFamily="49" charset="0"/>
+                <a:cs typeface="Courier New" panose="02070309020205020404" pitchFamily="49" charset="0"/>
+              </a:rPr>
+              <a:t>student_tuples</a:t>
+            </a:r>
+            <a:r>
+              <a:rPr lang="en-US" altLang="zh-CN" sz="1500" dirty="0">
+                <a:latin typeface="Courier New" panose="02070309020205020404" pitchFamily="49" charset="0"/>
+                <a:cs typeface="Courier New" panose="02070309020205020404" pitchFamily="49" charset="0"/>
+              </a:rPr>
+              <a:t>, </a:t>
+            </a:r>
+            <a:r>
+              <a:rPr lang="en-US" altLang="zh-CN" sz="1500" dirty="0" smtClean="0">
+                <a:latin typeface="Courier New" panose="02070309020205020404" pitchFamily="49" charset="0"/>
+                <a:cs typeface="Courier New" panose="02070309020205020404" pitchFamily="49" charset="0"/>
+              </a:rPr>
+              <a:t>key=</a:t>
+            </a:r>
+            <a:r>
+              <a:rPr lang="en-US" altLang="zh-CN" sz="1500" dirty="0" err="1" smtClean="0">
+                <a:latin typeface="Courier New" panose="02070309020205020404" pitchFamily="49" charset="0"/>
+                <a:cs typeface="Courier New" panose="02070309020205020404" pitchFamily="49" charset="0"/>
+              </a:rPr>
+              <a:t>itemgetter</a:t>
+            </a:r>
+            <a:r>
+              <a:rPr lang="en-US" altLang="zh-CN" sz="1500" dirty="0" smtClean="0">
+                <a:latin typeface="Courier New" panose="02070309020205020404" pitchFamily="49" charset="0"/>
+                <a:cs typeface="Courier New" panose="02070309020205020404" pitchFamily="49" charset="0"/>
+              </a:rPr>
+              <a:t>(1))</a:t>
+            </a:r>
+          </a:p>
+          <a:p>
+            <a:pPr marL="0" indent="0">
+              <a:buNone/>
+            </a:pPr>
+            <a:r>
+              <a:rPr lang="en-US" altLang="zh-CN" sz="1500" dirty="0">
+                <a:latin typeface="Courier New" panose="02070309020205020404" pitchFamily="49" charset="0"/>
+                <a:cs typeface="Courier New" panose="02070309020205020404" pitchFamily="49" charset="0"/>
+              </a:rPr>
+              <a:t>[('john', 'A', 15), ('jane', 'B', 12), ('</a:t>
+            </a:r>
+            <a:r>
+              <a:rPr lang="en-US" altLang="zh-CN" sz="1500" dirty="0" err="1">
+                <a:latin typeface="Courier New" panose="02070309020205020404" pitchFamily="49" charset="0"/>
+                <a:cs typeface="Courier New" panose="02070309020205020404" pitchFamily="49" charset="0"/>
+              </a:rPr>
+              <a:t>dave</a:t>
+            </a:r>
+            <a:r>
+              <a:rPr lang="en-US" altLang="zh-CN" sz="1500" dirty="0">
+                <a:latin typeface="Courier New" panose="02070309020205020404" pitchFamily="49" charset="0"/>
+                <a:cs typeface="Courier New" panose="02070309020205020404" pitchFamily="49" charset="0"/>
+              </a:rPr>
+              <a:t>', 'B', 10</a:t>
+            </a:r>
+            <a:r>
+              <a:rPr lang="en-US" altLang="zh-CN" sz="1500" dirty="0" smtClean="0">
+                <a:latin typeface="Courier New" panose="02070309020205020404" pitchFamily="49" charset="0"/>
+                <a:cs typeface="Courier New" panose="02070309020205020404" pitchFamily="49" charset="0"/>
+              </a:rPr>
+              <a:t>)]</a:t>
+            </a:r>
+          </a:p>
+          <a:p>
+            <a:pPr marL="0" indent="0">
+              <a:buNone/>
+            </a:pPr>
+            <a:r>
+              <a:rPr lang="en-US" altLang="zh-CN" sz="1500" dirty="0" smtClean="0">
+                <a:latin typeface="Courier New" panose="02070309020205020404" pitchFamily="49" charset="0"/>
+                <a:cs typeface="Courier New" panose="02070309020205020404" pitchFamily="49" charset="0"/>
+              </a:rPr>
+              <a:t>&gt;&gt;&gt; </a:t>
+            </a:r>
+            <a:r>
+              <a:rPr lang="en-US" altLang="zh-CN" sz="1500" dirty="0">
+                <a:latin typeface="Courier New" panose="02070309020205020404" pitchFamily="49" charset="0"/>
+                <a:cs typeface="Courier New" panose="02070309020205020404" pitchFamily="49" charset="0"/>
+              </a:rPr>
+              <a:t>sorted(</a:t>
+            </a:r>
+            <a:r>
+              <a:rPr lang="en-US" altLang="zh-CN" sz="1500" dirty="0" err="1">
+                <a:latin typeface="Courier New" panose="02070309020205020404" pitchFamily="49" charset="0"/>
+                <a:cs typeface="Courier New" panose="02070309020205020404" pitchFamily="49" charset="0"/>
+              </a:rPr>
+              <a:t>student_tuples</a:t>
+            </a:r>
+            <a:r>
+              <a:rPr lang="en-US" altLang="zh-CN" sz="1500" dirty="0">
+                <a:latin typeface="Courier New" panose="02070309020205020404" pitchFamily="49" charset="0"/>
+                <a:cs typeface="Courier New" panose="02070309020205020404" pitchFamily="49" charset="0"/>
+              </a:rPr>
+              <a:t>, </a:t>
+            </a:r>
+            <a:r>
+              <a:rPr lang="en-US" altLang="zh-CN" sz="1500" dirty="0" smtClean="0">
+                <a:latin typeface="Courier New" panose="02070309020205020404" pitchFamily="49" charset="0"/>
+                <a:cs typeface="Courier New" panose="02070309020205020404" pitchFamily="49" charset="0"/>
+              </a:rPr>
+              <a:t>key=</a:t>
+            </a:r>
+            <a:r>
+              <a:rPr lang="en-US" altLang="zh-CN" sz="1500" dirty="0" err="1" smtClean="0">
+                <a:latin typeface="Courier New" panose="02070309020205020404" pitchFamily="49" charset="0"/>
+                <a:cs typeface="Courier New" panose="02070309020205020404" pitchFamily="49" charset="0"/>
+              </a:rPr>
+              <a:t>itemgetter</a:t>
+            </a:r>
+            <a:r>
+              <a:rPr lang="en-US" altLang="zh-CN" sz="1500" dirty="0" smtClean="0">
+                <a:latin typeface="Courier New" panose="02070309020205020404" pitchFamily="49" charset="0"/>
+                <a:cs typeface="Courier New" panose="02070309020205020404" pitchFamily="49" charset="0"/>
+              </a:rPr>
+              <a:t>(2))</a:t>
+            </a:r>
+            <a:endParaRPr lang="en-US" altLang="zh-CN" sz="1500" dirty="0">
+              <a:latin typeface="Courier New" panose="02070309020205020404" pitchFamily="49" charset="0"/>
+              <a:cs typeface="Courier New" panose="02070309020205020404" pitchFamily="49" charset="0"/>
+            </a:endParaRPr>
+          </a:p>
+          <a:p>
+            <a:pPr marL="0" indent="0">
+              <a:buNone/>
+            </a:pPr>
+            <a:r>
+              <a:rPr lang="en-US" altLang="zh-CN" sz="1500" dirty="0">
+                <a:latin typeface="Courier New" panose="02070309020205020404" pitchFamily="49" charset="0"/>
+                <a:cs typeface="Courier New" panose="02070309020205020404" pitchFamily="49" charset="0"/>
+              </a:rPr>
+              <a:t>[('</a:t>
+            </a:r>
+            <a:r>
+              <a:rPr lang="en-US" altLang="zh-CN" sz="1500" dirty="0" err="1">
+                <a:latin typeface="Courier New" panose="02070309020205020404" pitchFamily="49" charset="0"/>
+                <a:cs typeface="Courier New" panose="02070309020205020404" pitchFamily="49" charset="0"/>
+              </a:rPr>
+              <a:t>dave</a:t>
+            </a:r>
+            <a:r>
+              <a:rPr lang="en-US" altLang="zh-CN" sz="1500" dirty="0">
+                <a:latin typeface="Courier New" panose="02070309020205020404" pitchFamily="49" charset="0"/>
+                <a:cs typeface="Courier New" panose="02070309020205020404" pitchFamily="49" charset="0"/>
+              </a:rPr>
+              <a:t>', 'B', 10), ('jane', 'B', 12), ('john', 'A', 15</a:t>
+            </a:r>
+            <a:r>
+              <a:rPr lang="en-US" altLang="zh-CN" sz="1500" dirty="0" smtClean="0">
+                <a:latin typeface="Courier New" panose="02070309020205020404" pitchFamily="49" charset="0"/>
+                <a:cs typeface="Courier New" panose="02070309020205020404" pitchFamily="49" charset="0"/>
+              </a:rPr>
+              <a:t>)]</a:t>
+            </a:r>
+          </a:p>
+          <a:p>
+            <a:pPr marL="0" indent="0">
+              <a:buNone/>
+            </a:pPr>
+            <a:r>
+              <a:rPr lang="en-US" altLang="zh-CN" sz="1500" dirty="0">
+                <a:latin typeface="Courier New" panose="02070309020205020404" pitchFamily="49" charset="0"/>
+                <a:cs typeface="Courier New" panose="02070309020205020404" pitchFamily="49" charset="0"/>
+              </a:rPr>
+              <a:t>&gt;&gt;&gt; sorted(</a:t>
+            </a:r>
+            <a:r>
+              <a:rPr lang="en-US" altLang="zh-CN" sz="1500" dirty="0" err="1">
+                <a:latin typeface="Courier New" panose="02070309020205020404" pitchFamily="49" charset="0"/>
+                <a:cs typeface="Courier New" panose="02070309020205020404" pitchFamily="49" charset="0"/>
+              </a:rPr>
+              <a:t>student_tuples</a:t>
+            </a:r>
+            <a:r>
+              <a:rPr lang="en-US" altLang="zh-CN" sz="1500" dirty="0">
+                <a:latin typeface="Courier New" panose="02070309020205020404" pitchFamily="49" charset="0"/>
+                <a:cs typeface="Courier New" panose="02070309020205020404" pitchFamily="49" charset="0"/>
+              </a:rPr>
+              <a:t>, key=</a:t>
+            </a:r>
+            <a:r>
+              <a:rPr lang="en-US" altLang="zh-CN" sz="1500" dirty="0" err="1">
+                <a:latin typeface="Courier New" panose="02070309020205020404" pitchFamily="49" charset="0"/>
+                <a:cs typeface="Courier New" panose="02070309020205020404" pitchFamily="49" charset="0"/>
+              </a:rPr>
+              <a:t>itemgetter</a:t>
+            </a:r>
+            <a:r>
+              <a:rPr lang="en-US" altLang="zh-CN" sz="1500" dirty="0">
+                <a:latin typeface="Courier New" panose="02070309020205020404" pitchFamily="49" charset="0"/>
+                <a:cs typeface="Courier New" panose="02070309020205020404" pitchFamily="49" charset="0"/>
+              </a:rPr>
+              <a:t>(1,2))</a:t>
+            </a:r>
+          </a:p>
+          <a:p>
+            <a:pPr marL="0" indent="0">
+              <a:buNone/>
+            </a:pPr>
+            <a:r>
+              <a:rPr lang="en-US" altLang="zh-CN" sz="1500" dirty="0">
+                <a:latin typeface="Courier New" panose="02070309020205020404" pitchFamily="49" charset="0"/>
+                <a:cs typeface="Courier New" panose="02070309020205020404" pitchFamily="49" charset="0"/>
+              </a:rPr>
+              <a:t>[('john', 'A', 15), ('</a:t>
+            </a:r>
+            <a:r>
+              <a:rPr lang="en-US" altLang="zh-CN" sz="1500" dirty="0" err="1">
+                <a:latin typeface="Courier New" panose="02070309020205020404" pitchFamily="49" charset="0"/>
+                <a:cs typeface="Courier New" panose="02070309020205020404" pitchFamily="49" charset="0"/>
+              </a:rPr>
+              <a:t>dave</a:t>
+            </a:r>
+            <a:r>
+              <a:rPr lang="en-US" altLang="zh-CN" sz="1500" dirty="0">
+                <a:latin typeface="Courier New" panose="02070309020205020404" pitchFamily="49" charset="0"/>
+                <a:cs typeface="Courier New" panose="02070309020205020404" pitchFamily="49" charset="0"/>
+              </a:rPr>
+              <a:t>', 'B', 10), ('jane', 'B', 12</a:t>
+            </a:r>
+            <a:r>
+              <a:rPr lang="en-US" altLang="zh-CN" sz="1500" dirty="0" smtClean="0">
+                <a:latin typeface="Courier New" panose="02070309020205020404" pitchFamily="49" charset="0"/>
+                <a:cs typeface="Courier New" panose="02070309020205020404" pitchFamily="49" charset="0"/>
+              </a:rPr>
+              <a:t>)]</a:t>
+            </a:r>
+          </a:p>
+          <a:p>
+            <a:pPr marL="0" indent="0">
+              <a:buNone/>
+            </a:pPr>
+            <a:r>
+              <a:rPr lang="en-US" altLang="zh-CN" sz="1500" dirty="0">
+                <a:latin typeface="Courier New" panose="02070309020205020404" pitchFamily="49" charset="0"/>
+                <a:cs typeface="Courier New" panose="02070309020205020404" pitchFamily="49" charset="0"/>
+              </a:rPr>
+              <a:t>&gt;&gt;&gt; sorted(</a:t>
+            </a:r>
+            <a:r>
+              <a:rPr lang="en-US" altLang="zh-CN" sz="1500" dirty="0" err="1">
+                <a:latin typeface="Courier New" panose="02070309020205020404" pitchFamily="49" charset="0"/>
+                <a:cs typeface="Courier New" panose="02070309020205020404" pitchFamily="49" charset="0"/>
+              </a:rPr>
+              <a:t>student_tuples</a:t>
+            </a:r>
+            <a:r>
+              <a:rPr lang="en-US" altLang="zh-CN" sz="1500" dirty="0">
+                <a:latin typeface="Courier New" panose="02070309020205020404" pitchFamily="49" charset="0"/>
+                <a:cs typeface="Courier New" panose="02070309020205020404" pitchFamily="49" charset="0"/>
+              </a:rPr>
+              <a:t>, key=</a:t>
+            </a:r>
+            <a:r>
+              <a:rPr lang="en-US" altLang="zh-CN" sz="1500" dirty="0" err="1">
+                <a:latin typeface="Courier New" panose="02070309020205020404" pitchFamily="49" charset="0"/>
+                <a:cs typeface="Courier New" panose="02070309020205020404" pitchFamily="49" charset="0"/>
+              </a:rPr>
+              <a:t>itemgetter</a:t>
+            </a:r>
+            <a:r>
+              <a:rPr lang="en-US" altLang="zh-CN" sz="1500" dirty="0">
+                <a:latin typeface="Courier New" panose="02070309020205020404" pitchFamily="49" charset="0"/>
+                <a:cs typeface="Courier New" panose="02070309020205020404" pitchFamily="49" charset="0"/>
+              </a:rPr>
+              <a:t>(1,0))</a:t>
+            </a:r>
+          </a:p>
+          <a:p>
+            <a:pPr marL="0" indent="0">
+              <a:buNone/>
+            </a:pPr>
+            <a:r>
+              <a:rPr lang="en-US" altLang="zh-CN" sz="1500" dirty="0">
+                <a:latin typeface="Courier New" panose="02070309020205020404" pitchFamily="49" charset="0"/>
+                <a:cs typeface="Courier New" panose="02070309020205020404" pitchFamily="49" charset="0"/>
+              </a:rPr>
+              <a:t>[('john', 'A', 15), ('</a:t>
+            </a:r>
+            <a:r>
+              <a:rPr lang="en-US" altLang="zh-CN" sz="1500" dirty="0" err="1">
+                <a:latin typeface="Courier New" panose="02070309020205020404" pitchFamily="49" charset="0"/>
+                <a:cs typeface="Courier New" panose="02070309020205020404" pitchFamily="49" charset="0"/>
+              </a:rPr>
+              <a:t>dave</a:t>
+            </a:r>
+            <a:r>
+              <a:rPr lang="en-US" altLang="zh-CN" sz="1500" dirty="0">
+                <a:latin typeface="Courier New" panose="02070309020205020404" pitchFamily="49" charset="0"/>
+                <a:cs typeface="Courier New" panose="02070309020205020404" pitchFamily="49" charset="0"/>
+              </a:rPr>
+              <a:t>', 'B', 10), ('jane', 'B', 12)]</a:t>
+            </a:r>
+            <a:endParaRPr lang="en-US" altLang="zh-CN" sz="1500" dirty="0" smtClean="0">
+              <a:latin typeface="Courier New" panose="02070309020205020404" pitchFamily="49" charset="0"/>
+              <a:cs typeface="Courier New" panose="02070309020205020404" pitchFamily="49" charset="0"/>
+            </a:endParaRPr>
+          </a:p>
+        </p:txBody>
+      </p:sp>
+    </p:spTree>
+    <p:extLst>
+      <p:ext uri="{BB962C8B-B14F-4D97-AF65-F5344CB8AC3E}">
+        <p14:creationId xmlns:p14="http://schemas.microsoft.com/office/powerpoint/2010/main" val="1996041841"/>
+      </p:ext>
+    </p:extLst>
+  </p:cSld>
+  <p:clrMapOvr>
+    <a:masterClrMapping/>
+  </p:clrMapOvr>
+</p:sld>
+</file>
+
+<file path=ppt/slides/slide15.xml><?xml version="1.0" encoding="utf-8"?>
+<p:sld xmlns:a="http://schemas.openxmlformats.org/drawingml/2006/main" xmlns:r="http://schemas.openxmlformats.org/officeDocument/2006/relationships" xmlns:p="http://schemas.openxmlformats.org/presentationml/2006/main">
+  <p:cSld>
+    <p:spTree>
+      <p:nvGrpSpPr>
+        <p:cNvPr id="1" name=""/>
+        <p:cNvGrpSpPr/>
+        <p:nvPr/>
+      </p:nvGrpSpPr>
+      <p:grpSpPr>
+        <a:xfrm>
+          <a:off x="0" y="0"/>
+          <a:ext cx="0" cy="0"/>
+          <a:chOff x="0" y="0"/>
+          <a:chExt cx="0" cy="0"/>
+        </a:xfrm>
+      </p:grpSpPr>
+      <p:sp>
+        <p:nvSpPr>
+          <p:cNvPr id="2" name="标题 1"/>
+          <p:cNvSpPr>
+            <a:spLocks noGrp="1"/>
+          </p:cNvSpPr>
+          <p:nvPr>
+            <p:ph type="title"/>
+          </p:nvPr>
+        </p:nvSpPr>
+        <p:spPr/>
+        <p:txBody>
+          <a:bodyPr/>
+          <a:lstStyle/>
+          <a:p>
+            <a:r>
               <a:rPr lang="zh-CN" altLang="en-US" dirty="0" smtClean="0"/>
-              <a:t>或</a:t>
+              <a:t>自动化</a:t>
+            </a:r>
+            <a:r>
+              <a:rPr lang="zh-CN" altLang="en-US" dirty="0" smtClean="0"/>
+              <a:t>测试</a:t>
+            </a:r>
+            <a:r>
+              <a:rPr lang="en-US" altLang="zh-CN" dirty="0" smtClean="0"/>
+              <a:t/>
+            </a:r>
+            <a:br>
+              <a:rPr lang="en-US" altLang="zh-CN" dirty="0" smtClean="0"/>
+            </a:br>
+            <a:r>
+              <a:rPr lang="zh-CN" altLang="en-US" sz="3200" dirty="0"/>
+              <a:t>基于</a:t>
+            </a:r>
+            <a:r>
+              <a:rPr lang="en-US" altLang="zh-CN" sz="3200" dirty="0"/>
+              <a:t>Jenkins </a:t>
+            </a:r>
+            <a:r>
+              <a:rPr lang="zh-CN" altLang="en-US" sz="3200" dirty="0"/>
+              <a:t>的持续交付</a:t>
+            </a:r>
+            <a:endParaRPr lang="zh-CN" altLang="en-US" sz="3200" dirty="0"/>
+          </a:p>
+        </p:txBody>
+      </p:sp>
+      <p:pic>
+        <p:nvPicPr>
+          <p:cNvPr id="1026" name="Picture 2" descr="http://img.mp.itc.cn/upload/20170601/53f4c4cfe0544d13aa62c51becc66c24_th.jpg"/>
+          <p:cNvPicPr>
+            <a:picLocks noGrp="1" noChangeAspect="1" noChangeArrowheads="1"/>
+          </p:cNvPicPr>
+          <p:nvPr>
+            <p:ph idx="1"/>
+          </p:nvPr>
+        </p:nvPicPr>
+        <p:blipFill>
+          <a:blip r:embed="rId2">
+            <a:extLst>
+              <a:ext uri="{28A0092B-C50C-407E-A947-70E740481C1C}">
+                <a14:useLocalDpi xmlns:a14="http://schemas.microsoft.com/office/drawing/2010/main" val="0"/>
+              </a:ext>
+            </a:extLst>
+          </a:blip>
+          <a:srcRect/>
+          <a:stretch>
+            <a:fillRect/>
+          </a:stretch>
+        </p:blipFill>
+        <p:spPr bwMode="auto">
+          <a:xfrm>
+            <a:off x="838200" y="1604955"/>
+            <a:ext cx="10515600" cy="4835541"/>
+          </a:xfrm>
+          <a:prstGeom prst="rect">
+            <a:avLst/>
+          </a:prstGeom>
+          <a:noFill/>
+          <a:extLst>
+            <a:ext uri="{909E8E84-426E-40DD-AFC4-6F175D3DCCD1}">
+              <a14:hiddenFill xmlns:a14="http://schemas.microsoft.com/office/drawing/2010/main">
+                <a:solidFill>
+                  <a:srgbClr val="FFFFFF"/>
+                </a:solidFill>
+              </a14:hiddenFill>
+            </a:ext>
+          </a:extLst>
+        </p:spPr>
+      </p:pic>
+    </p:spTree>
+    <p:extLst>
+      <p:ext uri="{BB962C8B-B14F-4D97-AF65-F5344CB8AC3E}">
+        <p14:creationId xmlns:p14="http://schemas.microsoft.com/office/powerpoint/2010/main" val="1406489063"/>
+      </p:ext>
+    </p:extLst>
+  </p:cSld>
+  <p:clrMapOvr>
+    <a:masterClrMapping/>
+  </p:clrMapOvr>
+</p:sld>
+</file>
+
+<file path=ppt/slides/slide16.xml><?xml version="1.0" encoding="utf-8"?>
+<p:sld xmlns:a="http://schemas.openxmlformats.org/drawingml/2006/main" xmlns:r="http://schemas.openxmlformats.org/officeDocument/2006/relationships" xmlns:p="http://schemas.openxmlformats.org/presentationml/2006/main">
+  <p:cSld>
+    <p:spTree>
+      <p:nvGrpSpPr>
+        <p:cNvPr id="1" name=""/>
+        <p:cNvGrpSpPr/>
+        <p:nvPr/>
+      </p:nvGrpSpPr>
+      <p:grpSpPr>
+        <a:xfrm>
+          <a:off x="0" y="0"/>
+          <a:ext cx="0" cy="0"/>
+          <a:chOff x="0" y="0"/>
+          <a:chExt cx="0" cy="0"/>
+        </a:xfrm>
+      </p:grpSpPr>
+      <p:sp>
+        <p:nvSpPr>
+          <p:cNvPr id="2" name="标题 1"/>
+          <p:cNvSpPr>
+            <a:spLocks noGrp="1"/>
+          </p:cNvSpPr>
+          <p:nvPr>
+            <p:ph type="title"/>
+          </p:nvPr>
+        </p:nvSpPr>
+        <p:spPr/>
+        <p:txBody>
+          <a:bodyPr/>
+          <a:lstStyle/>
+          <a:p>
+            <a:r>
+              <a:rPr lang="zh-CN" altLang="en-US" dirty="0"/>
+              <a:t>自动化测试</a:t>
+            </a:r>
+            <a:r>
+              <a:rPr lang="en-US" altLang="zh-CN" dirty="0"/>
+              <a:t/>
+            </a:r>
+            <a:br>
+              <a:rPr lang="en-US" altLang="zh-CN" dirty="0"/>
+            </a:br>
+            <a:r>
+              <a:rPr lang="zh-CN" altLang="en-US" sz="2800" dirty="0"/>
+              <a:t>分层</a:t>
+            </a:r>
+          </a:p>
+        </p:txBody>
+      </p:sp>
+      <p:pic>
+        <p:nvPicPr>
+          <p:cNvPr id="4" name="内容占位符 3"/>
+          <p:cNvPicPr>
+            <a:picLocks noGrp="1" noChangeAspect="1"/>
+          </p:cNvPicPr>
+          <p:nvPr>
+            <p:ph idx="1"/>
+          </p:nvPr>
+        </p:nvPicPr>
+        <p:blipFill>
+          <a:blip r:embed="rId2"/>
+          <a:stretch>
+            <a:fillRect/>
+          </a:stretch>
+        </p:blipFill>
+        <p:spPr>
+          <a:xfrm>
+            <a:off x="5099957" y="1529965"/>
+            <a:ext cx="6781800" cy="3409950"/>
+          </a:xfrm>
+          <a:prstGeom prst="rect">
+            <a:avLst/>
+          </a:prstGeom>
+        </p:spPr>
+      </p:pic>
+      <p:sp>
+        <p:nvSpPr>
+          <p:cNvPr id="5" name="文本框 4"/>
+          <p:cNvSpPr txBox="1"/>
+          <p:nvPr/>
+        </p:nvSpPr>
+        <p:spPr>
+          <a:xfrm>
+            <a:off x="766354" y="1690688"/>
+            <a:ext cx="4241075" cy="3693319"/>
+          </a:xfrm>
+          <a:prstGeom prst="rect">
+            <a:avLst/>
+          </a:prstGeom>
+          <a:noFill/>
+        </p:spPr>
+        <p:txBody>
+          <a:bodyPr wrap="square" rtlCol="0">
+            <a:spAutoFit/>
+          </a:bodyPr>
+          <a:lstStyle/>
+          <a:p>
+            <a:r>
+              <a:rPr lang="en-US" altLang="zh-CN" dirty="0" smtClean="0"/>
+              <a:t>1.</a:t>
+            </a:r>
+            <a:r>
+              <a:rPr lang="zh-CN" altLang="en-US" dirty="0"/>
+              <a:t>最底层是被测系统，主要明确被测对象的形态。平台支持</a:t>
+            </a:r>
+            <a:r>
+              <a:rPr lang="en-US" altLang="zh-CN" dirty="0"/>
+              <a:t>APP</a:t>
+            </a:r>
+            <a:r>
+              <a:rPr lang="zh-CN" altLang="en-US" dirty="0"/>
+              <a:t>、</a:t>
+            </a:r>
+            <a:r>
+              <a:rPr lang="en-US" altLang="zh-CN" dirty="0"/>
+              <a:t>Web</a:t>
+            </a:r>
+            <a:r>
+              <a:rPr lang="zh-CN" altLang="en-US" dirty="0"/>
+              <a:t>和</a:t>
+            </a:r>
+            <a:r>
+              <a:rPr lang="en-US" altLang="zh-CN" dirty="0"/>
+              <a:t>PC</a:t>
+            </a:r>
+            <a:r>
+              <a:rPr lang="zh-CN" altLang="en-US" dirty="0"/>
+              <a:t>应用测试，以及接口、数据库等测试</a:t>
+            </a:r>
+            <a:r>
+              <a:rPr lang="zh-CN" altLang="en-US" dirty="0" smtClean="0"/>
+              <a:t>。</a:t>
             </a:r>
             <a:endParaRPr lang="en-US" altLang="zh-CN" dirty="0" smtClean="0"/>
           </a:p>
           <a:p>
-            <a:pPr marL="0" indent="0">
-              <a:buNone/>
-            </a:pPr>
-            <a:r>
-              <a:rPr lang="en-US" altLang="zh-CN" dirty="0" smtClean="0">
+            <a:r>
+              <a:rPr lang="en-US" altLang="zh-CN" dirty="0" smtClean="0"/>
+              <a:t/>
+            </a:r>
+            <a:br>
+              <a:rPr lang="en-US" altLang="zh-CN" dirty="0" smtClean="0"/>
+            </a:br>
+            <a:r>
+              <a:rPr lang="en-US" altLang="zh-CN" dirty="0" smtClean="0"/>
+              <a:t>2.</a:t>
+            </a:r>
+            <a:r>
+              <a:rPr lang="zh-CN" altLang="en-US" dirty="0"/>
+              <a:t>往上是测试库。平台除提供如进程、字符串、集合、截图处理等基础测试库外，还提供</a:t>
+            </a:r>
+            <a:r>
+              <a:rPr lang="en-US" altLang="zh-CN" dirty="0"/>
+              <a:t>Web</a:t>
+            </a:r>
+            <a:r>
+              <a:rPr lang="zh-CN" altLang="en-US" dirty="0"/>
+              <a:t>、</a:t>
+            </a:r>
+            <a:r>
+              <a:rPr lang="en-US" altLang="zh-CN" dirty="0"/>
+              <a:t>APP</a:t>
+            </a:r>
+            <a:r>
+              <a:rPr lang="zh-CN" altLang="en-US" dirty="0"/>
+              <a:t>、接口等专用测试的扩展测试库，以支持不同的被测系统选择相应的测试库</a:t>
+            </a:r>
+            <a:r>
+              <a:rPr lang="zh-CN" altLang="en-US" dirty="0" smtClean="0"/>
+              <a:t>。</a:t>
+            </a:r>
+            <a:endParaRPr lang="en-US" altLang="zh-CN" dirty="0" smtClean="0"/>
+          </a:p>
+          <a:p>
+            <a:endParaRPr lang="en-US" altLang="zh-CN" dirty="0" smtClean="0"/>
+          </a:p>
+          <a:p>
+            <a:r>
+              <a:rPr lang="en-US" altLang="zh-CN" dirty="0" smtClean="0"/>
+              <a:t>3. </a:t>
+            </a:r>
+            <a:r>
+              <a:rPr lang="zh-CN" altLang="en-US" dirty="0" smtClean="0"/>
+              <a:t>最后是</a:t>
+            </a:r>
+            <a:r>
+              <a:rPr lang="zh-CN" altLang="en-US" dirty="0"/>
+              <a:t>测试框架，其作用包括用例管理、测试数据管理、测试运行、测试报告等。</a:t>
+            </a:r>
+            <a:endParaRPr lang="en-US" altLang="zh-CN" dirty="0" smtClean="0"/>
+          </a:p>
+        </p:txBody>
+      </p:sp>
+    </p:spTree>
+    <p:extLst>
+      <p:ext uri="{BB962C8B-B14F-4D97-AF65-F5344CB8AC3E}">
+        <p14:creationId xmlns:p14="http://schemas.microsoft.com/office/powerpoint/2010/main" val="4039355913"/>
+      </p:ext>
+    </p:extLst>
+  </p:cSld>
+  <p:clrMapOvr>
+    <a:masterClrMapping/>
+  </p:clrMapOvr>
+</p:sld>
+</file>
+
+<file path=ppt/slides/slide17.xml><?xml version="1.0" encoding="utf-8"?>
+<p:sld xmlns:a="http://schemas.openxmlformats.org/drawingml/2006/main" xmlns:r="http://schemas.openxmlformats.org/officeDocument/2006/relationships" xmlns:p="http://schemas.openxmlformats.org/presentationml/2006/main">
+  <p:cSld>
+    <p:spTree>
+      <p:nvGrpSpPr>
+        <p:cNvPr id="1" name=""/>
+        <p:cNvGrpSpPr/>
+        <p:nvPr/>
+      </p:nvGrpSpPr>
+      <p:grpSpPr>
+        <a:xfrm>
+          <a:off x="0" y="0"/>
+          <a:ext cx="0" cy="0"/>
+          <a:chOff x="0" y="0"/>
+          <a:chExt cx="0" cy="0"/>
+        </a:xfrm>
+      </p:grpSpPr>
+      <p:sp>
+        <p:nvSpPr>
+          <p:cNvPr id="2" name="标题 1"/>
+          <p:cNvSpPr>
+            <a:spLocks noGrp="1"/>
+          </p:cNvSpPr>
+          <p:nvPr>
+            <p:ph type="title"/>
+          </p:nvPr>
+        </p:nvSpPr>
+        <p:spPr/>
+        <p:txBody>
+          <a:bodyPr/>
+          <a:lstStyle/>
+          <a:p>
+            <a:r>
+              <a:rPr lang="zh-CN" altLang="en-US" dirty="0"/>
+              <a:t>自动化测试</a:t>
+            </a:r>
+            <a:r>
+              <a:rPr lang="en-US" altLang="zh-CN" dirty="0"/>
+              <a:t/>
+            </a:r>
+            <a:br>
+              <a:rPr lang="en-US" altLang="zh-CN" dirty="0"/>
+            </a:br>
+            <a:r>
+              <a:rPr lang="zh-CN" altLang="en-US" sz="2800" dirty="0"/>
+              <a:t>分层</a:t>
+            </a:r>
+          </a:p>
+        </p:txBody>
+      </p:sp>
+      <p:sp>
+        <p:nvSpPr>
+          <p:cNvPr id="3" name="内容占位符 2"/>
+          <p:cNvSpPr>
+            <a:spLocks noGrp="1"/>
+          </p:cNvSpPr>
+          <p:nvPr>
+            <p:ph idx="1"/>
+          </p:nvPr>
+        </p:nvSpPr>
+        <p:spPr>
+          <a:xfrm>
+            <a:off x="838199" y="1825625"/>
+            <a:ext cx="6520543" cy="4351338"/>
+          </a:xfrm>
+        </p:spPr>
+        <p:txBody>
+          <a:bodyPr>
+            <a:normAutofit lnSpcReduction="10000"/>
+          </a:bodyPr>
+          <a:lstStyle/>
+          <a:p>
+            <a:r>
+              <a:rPr lang="zh-CN" altLang="en-US" sz="2000" dirty="0"/>
+              <a:t>测试数据，就是我们写的测试用例了， 包括测试步骤、关键字和</a:t>
+            </a:r>
+            <a:r>
+              <a:rPr lang="zh-CN" altLang="en-US" sz="2000" dirty="0"/>
+              <a:t>用例数据。这里特指用满足</a:t>
+            </a:r>
+            <a:r>
+              <a:rPr lang="en-US" altLang="zh-CN" sz="2000" dirty="0"/>
+              <a:t>robot framework</a:t>
+            </a:r>
+            <a:r>
+              <a:rPr lang="zh-CN" altLang="en-US" sz="2000" dirty="0"/>
+              <a:t>语法写成的表格样式的</a:t>
+            </a:r>
+            <a:r>
+              <a:rPr lang="zh-CN" altLang="en-US" sz="2000" dirty="0"/>
+              <a:t>测试用例</a:t>
+            </a:r>
+            <a:r>
+              <a:rPr lang="zh-CN" altLang="en-US" sz="2000" dirty="0"/>
+              <a:t>，</a:t>
+            </a:r>
+            <a:r>
+              <a:rPr lang="zh-CN" altLang="en-US" sz="2000" dirty="0"/>
+              <a:t>支持纯文本格式、</a:t>
+            </a:r>
+            <a:r>
+              <a:rPr lang="en-US" altLang="zh-CN" sz="2000" dirty="0" err="1">
                 <a:hlinkClick r:id="rId2"/>
               </a:rPr>
-              <a:t>https://blog.csdn.net/dumingkk/article/details/91875245</a:t>
-            </a:r>
-            <a:endParaRPr lang="en-US" altLang="zh-CN" dirty="0"/>
+              <a:t>reStructuredText</a:t>
+            </a:r>
+            <a:r>
+              <a:rPr lang="zh-CN" altLang="en-US" sz="2000" dirty="0"/>
+              <a:t>格式、</a:t>
+            </a:r>
+            <a:r>
+              <a:rPr lang="en-US" altLang="zh-CN" sz="2000" dirty="0"/>
+              <a:t>HTML</a:t>
+            </a:r>
+            <a:r>
+              <a:rPr lang="zh-CN" altLang="en-US" sz="2000" dirty="0"/>
+              <a:t>格式等。</a:t>
+            </a:r>
+            <a:endParaRPr lang="zh-CN" altLang="en-US" sz="2000" dirty="0"/>
+          </a:p>
+          <a:p>
+            <a:r>
+              <a:rPr lang="en-US" altLang="zh-CN" sz="2000" dirty="0"/>
+              <a:t>RF Core</a:t>
+            </a:r>
+            <a:r>
+              <a:rPr lang="zh-CN" altLang="en-US" sz="2000" dirty="0"/>
+              <a:t>，这里是</a:t>
+            </a:r>
+            <a:r>
+              <a:rPr lang="en-US" altLang="zh-CN" sz="2000" dirty="0"/>
+              <a:t>RF</a:t>
+            </a:r>
+            <a:r>
+              <a:rPr lang="zh-CN" altLang="en-US" sz="2000" dirty="0"/>
+              <a:t>的大脑中枢， 测试框架的核心</a:t>
+            </a:r>
+            <a:r>
+              <a:rPr lang="zh-CN" altLang="en-US" sz="2000" dirty="0" smtClean="0"/>
+              <a:t>。</a:t>
+            </a:r>
+            <a:r>
+              <a:rPr lang="zh-CN" altLang="en-US" sz="2000" dirty="0"/>
+              <a:t>其作用包括用例管理、测试数据管理、测试运行、测试报告等。</a:t>
+            </a:r>
+            <a:endParaRPr lang="en-US" altLang="zh-CN" sz="2000" dirty="0"/>
+          </a:p>
+          <a:p>
+            <a:r>
+              <a:rPr lang="zh-CN" altLang="en-US" sz="2000" dirty="0" smtClean="0"/>
+              <a:t>测试</a:t>
+            </a:r>
+            <a:r>
+              <a:rPr lang="zh-CN" altLang="en-US" sz="2000" dirty="0"/>
+              <a:t>库</a:t>
+            </a:r>
+            <a:r>
+              <a:rPr lang="en-US" altLang="zh-CN" sz="2000" dirty="0"/>
+              <a:t>-</a:t>
+            </a:r>
+            <a:r>
+              <a:rPr lang="zh-CN" altLang="en-US" sz="2000" dirty="0"/>
+              <a:t>用户测试库</a:t>
+            </a:r>
+            <a:r>
+              <a:rPr lang="zh-CN" altLang="en-US" sz="2000" dirty="0"/>
+              <a:t>：</a:t>
+            </a:r>
+            <a:r>
+              <a:rPr lang="en-US" altLang="zh-CN" sz="2000" dirty="0"/>
+              <a:t>RF</a:t>
+            </a:r>
+            <a:r>
+              <a:rPr lang="zh-CN" altLang="en-US" sz="2000" dirty="0"/>
+              <a:t>提供开放的</a:t>
+            </a:r>
+            <a:r>
+              <a:rPr lang="en-US" altLang="zh-CN" sz="2000" dirty="0"/>
+              <a:t>Python</a:t>
+            </a:r>
+            <a:r>
+              <a:rPr lang="zh-CN" altLang="en-US" sz="2000" dirty="0"/>
+              <a:t>和</a:t>
+            </a:r>
+            <a:r>
+              <a:rPr lang="en-US" altLang="zh-CN" sz="2000" dirty="0"/>
+              <a:t>JAVA</a:t>
+            </a:r>
+            <a:r>
+              <a:rPr lang="zh-CN" altLang="en-US" sz="2000" dirty="0"/>
+              <a:t>接口，你可以选择你喜欢的语言扩展你要的</a:t>
+            </a:r>
+            <a:r>
+              <a:rPr lang="zh-CN" altLang="en-US" sz="2000" dirty="0" smtClean="0"/>
+              <a:t>功能</a:t>
+            </a:r>
+            <a:endParaRPr lang="en-US" altLang="zh-CN" sz="2000" dirty="0" smtClean="0"/>
+          </a:p>
+          <a:p>
+            <a:r>
+              <a:rPr lang="zh-CN" altLang="en-US" sz="2000" dirty="0"/>
+              <a:t>测试库</a:t>
+            </a:r>
+            <a:r>
+              <a:rPr lang="en-US" altLang="zh-CN" sz="2000" dirty="0"/>
+              <a:t>-</a:t>
+            </a:r>
+            <a:r>
+              <a:rPr lang="zh-CN" altLang="en-US" sz="2000" dirty="0"/>
+              <a:t>第三方测试</a:t>
+            </a:r>
+            <a:r>
+              <a:rPr lang="zh-CN" altLang="en-US" sz="2000" dirty="0" smtClean="0"/>
+              <a:t>库：</a:t>
+            </a:r>
+            <a:r>
+              <a:rPr lang="zh-CN" altLang="en-US" sz="2000" dirty="0"/>
+              <a:t>就是</a:t>
+            </a:r>
+            <a:r>
+              <a:rPr lang="zh-CN" altLang="en-US" sz="2000" dirty="0" smtClean="0"/>
+              <a:t>除了自己实现的和</a:t>
+            </a:r>
+            <a:r>
+              <a:rPr lang="en-US" altLang="zh-CN" sz="2000" dirty="0" smtClean="0"/>
+              <a:t>RF</a:t>
+            </a:r>
+            <a:r>
+              <a:rPr lang="zh-CN" altLang="en-US" sz="2000" dirty="0" smtClean="0"/>
+              <a:t>提供的以外的库，比如</a:t>
+            </a:r>
+            <a:r>
+              <a:rPr lang="zh-CN" altLang="en-US" sz="2000" dirty="0"/>
+              <a:t>远程控制服务器的</a:t>
+            </a:r>
+            <a:r>
+              <a:rPr lang="en-US" altLang="zh-CN" sz="2000" dirty="0" smtClean="0"/>
+              <a:t>SSH</a:t>
+            </a:r>
+            <a:r>
+              <a:rPr lang="zh-CN" altLang="en-US" sz="2000" dirty="0" smtClean="0"/>
+              <a:t>，操作</a:t>
+            </a:r>
+            <a:r>
+              <a:rPr lang="en-US" altLang="zh-CN" sz="2000" dirty="0" smtClean="0"/>
+              <a:t>Excel</a:t>
+            </a:r>
+            <a:r>
+              <a:rPr lang="zh-CN" altLang="en-US" sz="2000" dirty="0" smtClean="0"/>
+              <a:t>的</a:t>
+            </a:r>
+            <a:r>
+              <a:rPr lang="en-US" altLang="zh-CN" sz="2000" dirty="0" err="1" smtClean="0"/>
+              <a:t>xlrd</a:t>
+            </a:r>
+            <a:r>
+              <a:rPr lang="zh-CN" altLang="en-US" sz="2000" dirty="0" smtClean="0"/>
+              <a:t>等</a:t>
+            </a:r>
+            <a:endParaRPr lang="en-US" altLang="zh-CN" sz="2000" dirty="0" smtClean="0"/>
+          </a:p>
+          <a:p>
+            <a:r>
+              <a:rPr lang="zh-CN" altLang="en-US" sz="2000" dirty="0"/>
+              <a:t>测试库</a:t>
+            </a:r>
+            <a:r>
+              <a:rPr lang="en-US" altLang="zh-CN" sz="2000" dirty="0"/>
+              <a:t>-</a:t>
+            </a:r>
+            <a:r>
+              <a:rPr lang="zh-CN" altLang="en-US" sz="2000" dirty="0"/>
+              <a:t>系统测试</a:t>
+            </a:r>
+            <a:r>
+              <a:rPr lang="zh-CN" altLang="en-US" sz="2000" dirty="0" smtClean="0"/>
+              <a:t>库：</a:t>
+            </a:r>
+            <a:r>
+              <a:rPr lang="en-US" altLang="zh-CN" sz="2000" dirty="0" smtClean="0"/>
+              <a:t>RF</a:t>
+            </a:r>
+            <a:r>
+              <a:rPr lang="zh-CN" altLang="en-US" sz="2000" dirty="0" smtClean="0"/>
+              <a:t>自己提供的库，包括</a:t>
+            </a:r>
+            <a:r>
+              <a:rPr lang="en-US" altLang="zh-CN" sz="2000" dirty="0" err="1" smtClean="0"/>
+              <a:t>BuiltIn</a:t>
+            </a:r>
+            <a:r>
+              <a:rPr lang="zh-CN" altLang="en-US" sz="2000" dirty="0" smtClean="0"/>
+              <a:t>、</a:t>
+            </a:r>
+            <a:r>
+              <a:rPr lang="en-US" altLang="zh-CN" sz="2000" dirty="0" smtClean="0"/>
+              <a:t>Collections</a:t>
+            </a:r>
+            <a:r>
+              <a:rPr lang="zh-CN" altLang="en-US" sz="2000" dirty="0" smtClean="0"/>
+              <a:t>、</a:t>
+            </a:r>
+            <a:r>
+              <a:rPr lang="en-US" altLang="zh-CN" sz="2000" dirty="0" err="1" smtClean="0"/>
+              <a:t>DateTime</a:t>
+            </a:r>
+            <a:r>
+              <a:rPr lang="zh-CN" altLang="en-US" sz="2000" dirty="0"/>
+              <a:t>、</a:t>
+            </a:r>
+            <a:r>
+              <a:rPr lang="en-US" altLang="zh-CN" sz="2000" dirty="0" err="1" smtClean="0"/>
+              <a:t>OperatingSystem</a:t>
+            </a:r>
+            <a:r>
+              <a:rPr lang="en-US" altLang="zh-CN" sz="2000" dirty="0" smtClean="0"/>
+              <a:t>… </a:t>
+            </a:r>
+            <a:r>
+              <a:rPr lang="zh-CN" altLang="en-US" sz="2000" dirty="0" smtClean="0"/>
+              <a:t>等</a:t>
+            </a:r>
+            <a:endParaRPr lang="zh-CN" altLang="en-US" sz="2000" dirty="0"/>
           </a:p>
         </p:txBody>
       </p:sp>
@@ -3331,8 +5353,8 @@
         </p:blipFill>
         <p:spPr>
           <a:xfrm>
-            <a:off x="2254567" y="2380025"/>
-            <a:ext cx="1952625" cy="1209675"/>
+            <a:off x="7487057" y="1534319"/>
+            <a:ext cx="4219575" cy="4933950"/>
           </a:xfrm>
           <a:prstGeom prst="rect">
             <a:avLst/>
@@ -3342,7 +5364,97 @@
     </p:spTree>
     <p:extLst>
       <p:ext uri="{BB962C8B-B14F-4D97-AF65-F5344CB8AC3E}">
-        <p14:creationId xmlns:p14="http://schemas.microsoft.com/office/powerpoint/2010/main" val="2846546725"/>
+        <p14:creationId xmlns:p14="http://schemas.microsoft.com/office/powerpoint/2010/main" val="4054106661"/>
+      </p:ext>
+    </p:extLst>
+  </p:cSld>
+  <p:clrMapOvr>
+    <a:masterClrMapping/>
+  </p:clrMapOvr>
+</p:sld>
+</file>
+
+<file path=ppt/slides/slide18.xml><?xml version="1.0" encoding="utf-8"?>
+<p:sld xmlns:a="http://schemas.openxmlformats.org/drawingml/2006/main" xmlns:r="http://schemas.openxmlformats.org/officeDocument/2006/relationships" xmlns:p="http://schemas.openxmlformats.org/presentationml/2006/main">
+  <p:cSld>
+    <p:spTree>
+      <p:nvGrpSpPr>
+        <p:cNvPr id="1" name=""/>
+        <p:cNvGrpSpPr/>
+        <p:nvPr/>
+      </p:nvGrpSpPr>
+      <p:grpSpPr>
+        <a:xfrm>
+          <a:off x="0" y="0"/>
+          <a:ext cx="0" cy="0"/>
+          <a:chOff x="0" y="0"/>
+          <a:chExt cx="0" cy="0"/>
+        </a:xfrm>
+      </p:grpSpPr>
+      <p:sp>
+        <p:nvSpPr>
+          <p:cNvPr id="2" name="标题 1"/>
+          <p:cNvSpPr>
+            <a:spLocks noGrp="1"/>
+          </p:cNvSpPr>
+          <p:nvPr>
+            <p:ph type="title"/>
+          </p:nvPr>
+        </p:nvSpPr>
+        <p:spPr/>
+        <p:txBody>
+          <a:bodyPr/>
+          <a:lstStyle/>
+          <a:p>
+            <a:r>
+              <a:rPr lang="zh-CN" altLang="en-US" dirty="0"/>
+              <a:t>自动化测试</a:t>
+            </a:r>
+            <a:r>
+              <a:rPr lang="en-US" altLang="zh-CN" dirty="0"/>
+              <a:t/>
+            </a:r>
+            <a:br>
+              <a:rPr lang="en-US" altLang="zh-CN" dirty="0"/>
+            </a:br>
+            <a:r>
+              <a:rPr lang="zh-CN" altLang="en-US" sz="2800" dirty="0" smtClean="0"/>
+              <a:t>具体实现</a:t>
+            </a:r>
+            <a:endParaRPr lang="zh-CN" altLang="en-US" sz="2800" dirty="0"/>
+          </a:p>
+        </p:txBody>
+      </p:sp>
+      <p:pic>
+        <p:nvPicPr>
+          <p:cNvPr id="6" name="内容占位符 5"/>
+          <p:cNvPicPr>
+            <a:picLocks noGrp="1" noChangeAspect="1"/>
+          </p:cNvPicPr>
+          <p:nvPr>
+            <p:ph idx="1"/>
+          </p:nvPr>
+        </p:nvPicPr>
+        <p:blipFill>
+          <a:blip r:embed="rId2"/>
+          <a:stretch>
+            <a:fillRect/>
+          </a:stretch>
+        </p:blipFill>
+        <p:spPr>
+          <a:xfrm>
+            <a:off x="2008006" y="1690688"/>
+            <a:ext cx="6486525" cy="3838575"/>
+          </a:xfrm>
+          <a:prstGeom prst="rect">
+            <a:avLst/>
+          </a:prstGeom>
+        </p:spPr>
+      </p:pic>
+    </p:spTree>
+    <p:extLst>
+      <p:ext uri="{BB962C8B-B14F-4D97-AF65-F5344CB8AC3E}">
+        <p14:creationId xmlns:p14="http://schemas.microsoft.com/office/powerpoint/2010/main" val="1585147839"/>
       </p:ext>
     </p:extLst>
   </p:cSld>
@@ -3643,7 +5755,7 @@
       </p:sp>
       <p:pic>
         <p:nvPicPr>
-          <p:cNvPr id="1026" name="Picture 2" descr="https://gss3.bdstatic.com/7Po3dSag_xI4khGkpoWK1HF6hhy/baike/c0%3Dbaike116%2C5%2C5%2C116%2C38/sign=9d8a76cebede9c82b268f1dd0de8eb6f/3ac79f3df8dcd100b5736ad67f8b4710b8122f5d.jpg"/>
+          <p:cNvPr id="4" name="Picture 2" descr="https://gss0.bdstatic.com/94o3dSag_xI4khGkpoWK1HF6hhy/baike/c0%3Dbaike92%2C5%2C5%2C92%2C30/sign=4dd340a79825bc313f5009ca3fb6e6d4/42a98226cffc1e17eaa419584b90f603738de944.jpg"/>
           <p:cNvPicPr>
             <a:picLocks noGrp="1" noChangeAspect="1" noChangeArrowheads="1"/>
           </p:cNvPicPr>
@@ -3666,8 +5778,8 @@
         </p:blipFill>
         <p:spPr bwMode="auto">
           <a:xfrm>
-            <a:off x="3479472" y="1825625"/>
-            <a:ext cx="5233056" cy="4351338"/>
+            <a:off x="3138030" y="1607911"/>
+            <a:ext cx="4261310" cy="4351338"/>
           </a:xfrm>
           <a:prstGeom prst="rect">
             <a:avLst/>
@@ -3730,147 +5842,60 @@
           <a:lstStyle/>
           <a:p>
             <a:r>
-              <a:rPr lang="en-US" altLang="zh-CN" dirty="0" smtClean="0"/>
-              <a:t>Python</a:t>
-            </a:r>
-            <a:r>
               <a:rPr lang="zh-CN" altLang="en-US" dirty="0" smtClean="0"/>
-              <a:t>的优缺点</a:t>
+              <a:t>世界编程语言排行榜</a:t>
             </a:r>
             <a:endParaRPr lang="zh-CN" altLang="en-US" dirty="0"/>
           </a:p>
         </p:txBody>
       </p:sp>
-      <p:sp>
-        <p:nvSpPr>
-          <p:cNvPr id="3" name="内容占位符 2"/>
-          <p:cNvSpPr>
-            <a:spLocks noGrp="1"/>
-          </p:cNvSpPr>
+      <p:pic>
+        <p:nvPicPr>
+          <p:cNvPr id="1026" name="Picture 2" descr="https://gss3.bdstatic.com/7Po3dSag_xI4khGkpoWK1HF6hhy/baike/c0%3Dbaike116%2C5%2C5%2C116%2C38/sign=9d8a76cebede9c82b268f1dd0de8eb6f/3ac79f3df8dcd100b5736ad67f8b4710b8122f5d.jpg"/>
+          <p:cNvPicPr>
+            <a:picLocks noGrp="1" noChangeAspect="1" noChangeArrowheads="1"/>
+          </p:cNvPicPr>
           <p:nvPr>
             <p:ph idx="1"/>
           </p:nvPr>
-        </p:nvSpPr>
-        <p:spPr>
+        </p:nvPicPr>
+        <p:blipFill>
+          <a:blip r:embed="rId2">
+            <a:extLst>
+              <a:ext uri="{28A0092B-C50C-407E-A947-70E740481C1C}">
+                <a14:useLocalDpi xmlns:a14="http://schemas.microsoft.com/office/drawing/2010/main" val="0"/>
+              </a:ext>
+            </a:extLst>
+          </a:blip>
+          <a:srcRect/>
+          <a:stretch>
+            <a:fillRect/>
+          </a:stretch>
+        </p:blipFill>
+        <p:spPr bwMode="auto">
           <a:xfrm>
-            <a:off x="838200" y="1690688"/>
-            <a:ext cx="10515600" cy="4486275"/>
+            <a:off x="3479472" y="1825625"/>
+            <a:ext cx="5233056" cy="4351338"/>
           </a:xfrm>
+          <a:prstGeom prst="rect">
+            <a:avLst/>
+          </a:prstGeom>
+          <a:noFill/>
+          <a:extLst>
+            <a:ext uri="{909E8E84-426E-40DD-AFC4-6F175D3DCCD1}">
+              <a14:hiddenFill xmlns:a14="http://schemas.microsoft.com/office/drawing/2010/main">
+                <a:solidFill>
+                  <a:srgbClr val="FFFFFF"/>
+                </a:solidFill>
+              </a14:hiddenFill>
+            </a:ext>
+          </a:extLst>
         </p:spPr>
-        <p:txBody>
-          <a:bodyPr>
-            <a:normAutofit/>
-          </a:bodyPr>
-          <a:lstStyle/>
-          <a:p>
-            <a:pPr marL="0" indent="0">
-              <a:buNone/>
-            </a:pPr>
-            <a:r>
-              <a:rPr lang="zh-CN" altLang="en-US" dirty="0" smtClean="0"/>
-              <a:t>优点：</a:t>
-            </a:r>
-            <a:endParaRPr lang="en-US" altLang="zh-CN" dirty="0" smtClean="0"/>
-          </a:p>
-          <a:p>
-            <a:r>
-              <a:rPr lang="zh-CN" altLang="en-US" sz="2000" dirty="0" smtClean="0"/>
-              <a:t>简单易学</a:t>
-            </a:r>
-            <a:endParaRPr lang="en-US" altLang="zh-CN" sz="2000" dirty="0" smtClean="0"/>
-          </a:p>
-          <a:p>
-            <a:r>
-              <a:rPr lang="en-US" altLang="zh-CN" sz="2000" dirty="0" smtClean="0"/>
-              <a:t>Python</a:t>
-            </a:r>
-            <a:r>
-              <a:rPr lang="zh-CN" altLang="en-US" sz="2000" dirty="0" smtClean="0"/>
-              <a:t>是一种优雅的语法，可读性强</a:t>
-            </a:r>
-            <a:endParaRPr lang="en-US" altLang="zh-CN" sz="2000" dirty="0" smtClean="0"/>
-          </a:p>
-          <a:p>
-            <a:r>
-              <a:rPr lang="zh-CN" altLang="en-US" sz="2000" dirty="0" smtClean="0"/>
-              <a:t>它适用于命令式，过程式，函数式，以及面向对象的编程</a:t>
-            </a:r>
-            <a:endParaRPr lang="en-US" altLang="zh-CN" sz="2000" dirty="0" smtClean="0"/>
-          </a:p>
-          <a:p>
-            <a:r>
-              <a:rPr lang="zh-CN" altLang="en-US" sz="2000" dirty="0" smtClean="0"/>
-              <a:t>可扩展使用</a:t>
-            </a:r>
-            <a:r>
-              <a:rPr lang="en-US" altLang="zh-CN" sz="2000" dirty="0" smtClean="0"/>
-              <a:t>C</a:t>
-            </a:r>
-            <a:r>
-              <a:rPr lang="en-US" altLang="zh-CN" sz="2000" dirty="0" smtClean="0"/>
-              <a:t>/C++</a:t>
-            </a:r>
-            <a:r>
-              <a:rPr lang="zh-CN" altLang="en-US" sz="2000" dirty="0" smtClean="0"/>
-              <a:t>，</a:t>
-            </a:r>
-            <a:r>
-              <a:rPr lang="en-US" altLang="zh-CN" sz="2000" dirty="0" smtClean="0"/>
-              <a:t>Java</a:t>
-            </a:r>
-            <a:r>
-              <a:rPr lang="zh-CN" altLang="en-US" sz="2000" dirty="0" smtClean="0"/>
-              <a:t>语言等编写</a:t>
-            </a:r>
-            <a:endParaRPr lang="en-US" altLang="zh-CN" sz="2000" dirty="0" smtClean="0"/>
-          </a:p>
-          <a:p>
-            <a:r>
-              <a:rPr lang="zh-CN" altLang="en-US" sz="2000" dirty="0" smtClean="0"/>
-              <a:t>跨平台</a:t>
-            </a:r>
-            <a:endParaRPr lang="en-US" altLang="zh-CN" sz="2000" dirty="0" smtClean="0"/>
-          </a:p>
-          <a:p>
-            <a:r>
-              <a:rPr lang="zh-CN" altLang="en-US" sz="2000" dirty="0" smtClean="0"/>
-              <a:t>丰富的第三方库</a:t>
-            </a:r>
-            <a:endParaRPr lang="en-US" altLang="zh-CN" sz="2000" dirty="0" smtClean="0"/>
-          </a:p>
-          <a:p>
-            <a:pPr marL="0" indent="0">
-              <a:buNone/>
-            </a:pPr>
-            <a:r>
-              <a:rPr lang="zh-CN" altLang="en-US" dirty="0" smtClean="0"/>
-              <a:t>缺点：</a:t>
-            </a:r>
-            <a:endParaRPr lang="en-US" altLang="zh-CN" dirty="0" smtClean="0"/>
-          </a:p>
-          <a:p>
-            <a:r>
-              <a:rPr lang="zh-CN" altLang="en-US" sz="2000" dirty="0"/>
-              <a:t>速度慢</a:t>
-            </a:r>
-            <a:endParaRPr lang="en-US" altLang="zh-CN" sz="2000" dirty="0"/>
-          </a:p>
-          <a:p>
-            <a:r>
-              <a:rPr lang="zh-CN" altLang="en-US" sz="2000" dirty="0"/>
-              <a:t>强制缩进</a:t>
-            </a:r>
-            <a:endParaRPr lang="en-US" altLang="zh-CN" sz="2000" dirty="0"/>
-          </a:p>
-          <a:p>
-            <a:endParaRPr lang="zh-CN" altLang="en-US" dirty="0"/>
-          </a:p>
-        </p:txBody>
-      </p:sp>
+      </p:pic>
     </p:spTree>
     <p:extLst>
       <p:ext uri="{BB962C8B-B14F-4D97-AF65-F5344CB8AC3E}">
-        <p14:creationId xmlns:p14="http://schemas.microsoft.com/office/powerpoint/2010/main" val="2363168419"/>
+        <p14:creationId xmlns:p14="http://schemas.microsoft.com/office/powerpoint/2010/main" val="719357"/>
       </p:ext>
     </p:extLst>
   </p:cSld>
@@ -3918,6 +5943,192 @@
             </a:r>
             <a:r>
               <a:rPr lang="zh-CN" altLang="en-US" dirty="0" smtClean="0"/>
+              <a:t>的优缺点</a:t>
+            </a:r>
+            <a:endParaRPr lang="zh-CN" altLang="en-US" dirty="0"/>
+          </a:p>
+        </p:txBody>
+      </p:sp>
+      <p:sp>
+        <p:nvSpPr>
+          <p:cNvPr id="3" name="内容占位符 2"/>
+          <p:cNvSpPr>
+            <a:spLocks noGrp="1"/>
+          </p:cNvSpPr>
+          <p:nvPr>
+            <p:ph idx="1"/>
+          </p:nvPr>
+        </p:nvSpPr>
+        <p:spPr>
+          <a:xfrm>
+            <a:off x="838200" y="1690688"/>
+            <a:ext cx="10515600" cy="4486275"/>
+          </a:xfrm>
+        </p:spPr>
+        <p:txBody>
+          <a:bodyPr>
+            <a:normAutofit lnSpcReduction="10000"/>
+          </a:bodyPr>
+          <a:lstStyle/>
+          <a:p>
+            <a:pPr marL="0" indent="0">
+              <a:buNone/>
+            </a:pPr>
+            <a:r>
+              <a:rPr lang="zh-CN" altLang="en-US" dirty="0" smtClean="0"/>
+              <a:t>优点：</a:t>
+            </a:r>
+            <a:endParaRPr lang="en-US" altLang="zh-CN" dirty="0" smtClean="0"/>
+          </a:p>
+          <a:p>
+            <a:r>
+              <a:rPr lang="zh-CN" altLang="en-US" sz="2000" dirty="0" smtClean="0"/>
+              <a:t>简单易学</a:t>
+            </a:r>
+            <a:endParaRPr lang="en-US" altLang="zh-CN" sz="2000" dirty="0" smtClean="0"/>
+          </a:p>
+          <a:p>
+            <a:r>
+              <a:rPr lang="en-US" altLang="zh-CN" sz="2000" dirty="0" smtClean="0"/>
+              <a:t>Python</a:t>
+            </a:r>
+            <a:r>
+              <a:rPr lang="zh-CN" altLang="en-US" sz="2000" dirty="0" smtClean="0"/>
+              <a:t>是一种优雅的语法，可读性强</a:t>
+            </a:r>
+            <a:endParaRPr lang="en-US" altLang="zh-CN" sz="2000" dirty="0" smtClean="0"/>
+          </a:p>
+          <a:p>
+            <a:r>
+              <a:rPr lang="zh-CN" altLang="en-US" sz="2000" dirty="0" smtClean="0"/>
+              <a:t>它适用于命令式，过程式，函数式，以及面向对象的编程</a:t>
+            </a:r>
+            <a:endParaRPr lang="en-US" altLang="zh-CN" sz="2000" dirty="0" smtClean="0"/>
+          </a:p>
+          <a:p>
+            <a:r>
+              <a:rPr lang="zh-CN" altLang="en-US" sz="2000" dirty="0" smtClean="0"/>
+              <a:t>可扩展使用</a:t>
+            </a:r>
+            <a:r>
+              <a:rPr lang="en-US" altLang="zh-CN" sz="2000" dirty="0" smtClean="0"/>
+              <a:t>C/C++</a:t>
+            </a:r>
+            <a:r>
+              <a:rPr lang="zh-CN" altLang="en-US" sz="2000" dirty="0" smtClean="0"/>
+              <a:t>，</a:t>
+            </a:r>
+            <a:r>
+              <a:rPr lang="en-US" altLang="zh-CN" sz="2000" dirty="0" smtClean="0"/>
+              <a:t>Java</a:t>
+            </a:r>
+            <a:r>
+              <a:rPr lang="zh-CN" altLang="en-US" sz="2000" dirty="0" smtClean="0"/>
+              <a:t>语言等编写</a:t>
+            </a:r>
+            <a:endParaRPr lang="en-US" altLang="zh-CN" sz="2000" dirty="0" smtClean="0"/>
+          </a:p>
+          <a:p>
+            <a:r>
+              <a:rPr lang="zh-CN" altLang="en-US" sz="2000" dirty="0" smtClean="0"/>
+              <a:t>跨平台</a:t>
+            </a:r>
+            <a:endParaRPr lang="en-US" altLang="zh-CN" sz="2000" dirty="0" smtClean="0"/>
+          </a:p>
+          <a:p>
+            <a:r>
+              <a:rPr lang="zh-CN" altLang="en-US" sz="2000" dirty="0" smtClean="0"/>
+              <a:t>丰富的第三方库</a:t>
+            </a:r>
+            <a:endParaRPr lang="en-US" altLang="zh-CN" sz="2000" dirty="0" smtClean="0"/>
+          </a:p>
+          <a:p>
+            <a:r>
+              <a:rPr lang="zh-CN" altLang="en-US" sz="2000" dirty="0" smtClean="0"/>
+              <a:t>开发效率高</a:t>
+            </a:r>
+            <a:endParaRPr lang="en-US" altLang="zh-CN" sz="2000" dirty="0" smtClean="0"/>
+          </a:p>
+          <a:p>
+            <a:pPr marL="0" indent="0">
+              <a:buNone/>
+            </a:pPr>
+            <a:r>
+              <a:rPr lang="zh-CN" altLang="en-US" dirty="0" smtClean="0"/>
+              <a:t>缺点：</a:t>
+            </a:r>
+            <a:endParaRPr lang="en-US" altLang="zh-CN" dirty="0" smtClean="0"/>
+          </a:p>
+          <a:p>
+            <a:r>
+              <a:rPr lang="zh-CN" altLang="en-US" sz="2000" dirty="0"/>
+              <a:t>速度慢</a:t>
+            </a:r>
+            <a:endParaRPr lang="en-US" altLang="zh-CN" sz="2000" dirty="0"/>
+          </a:p>
+          <a:p>
+            <a:r>
+              <a:rPr lang="zh-CN" altLang="en-US" sz="2000" dirty="0"/>
+              <a:t>强制缩进</a:t>
+            </a:r>
+            <a:endParaRPr lang="en-US" altLang="zh-CN" sz="2000" dirty="0"/>
+          </a:p>
+          <a:p>
+            <a:endParaRPr lang="zh-CN" altLang="en-US" dirty="0"/>
+          </a:p>
+        </p:txBody>
+      </p:sp>
+    </p:spTree>
+    <p:extLst>
+      <p:ext uri="{BB962C8B-B14F-4D97-AF65-F5344CB8AC3E}">
+        <p14:creationId xmlns:p14="http://schemas.microsoft.com/office/powerpoint/2010/main" val="2363168419"/>
+      </p:ext>
+    </p:extLst>
+  </p:cSld>
+  <p:clrMapOvr>
+    <a:masterClrMapping/>
+  </p:clrMapOvr>
+</p:sld>
+</file>
+
+<file path=ppt/slides/slide7.xml><?xml version="1.0" encoding="utf-8"?>
+<p:sld xmlns:a="http://schemas.openxmlformats.org/drawingml/2006/main" xmlns:r="http://schemas.openxmlformats.org/officeDocument/2006/relationships" xmlns:p="http://schemas.openxmlformats.org/presentationml/2006/main">
+  <p:cSld>
+    <p:spTree>
+      <p:nvGrpSpPr>
+        <p:cNvPr id="1" name=""/>
+        <p:cNvGrpSpPr/>
+        <p:nvPr/>
+      </p:nvGrpSpPr>
+      <p:grpSpPr>
+        <a:xfrm>
+          <a:off x="0" y="0"/>
+          <a:ext cx="0" cy="0"/>
+          <a:chOff x="0" y="0"/>
+          <a:chExt cx="0" cy="0"/>
+        </a:xfrm>
+      </p:grpSpPr>
+      <p:sp>
+        <p:nvSpPr>
+          <p:cNvPr id="2" name="标题 1"/>
+          <p:cNvSpPr>
+            <a:spLocks noGrp="1"/>
+          </p:cNvSpPr>
+          <p:nvPr>
+            <p:ph type="title"/>
+          </p:nvPr>
+        </p:nvSpPr>
+        <p:spPr/>
+        <p:txBody>
+          <a:bodyPr/>
+          <a:lstStyle/>
+          <a:p>
+            <a:r>
+              <a:rPr lang="en-US" altLang="zh-CN" dirty="0" smtClean="0"/>
+              <a:t>Python</a:t>
+            </a:r>
+            <a:r>
+              <a:rPr lang="zh-CN" altLang="en-US" dirty="0" smtClean="0"/>
               <a:t>的应用</a:t>
             </a:r>
             <a:endParaRPr lang="zh-CN" altLang="en-US" dirty="0"/>
@@ -4070,7 +6281,7 @@
 </p:sld>
 </file>
 
-<file path=ppt/slides/slide7.xml><?xml version="1.0" encoding="utf-8"?>
+<file path=ppt/slides/slide8.xml><?xml version="1.0" encoding="utf-8"?>
 <p:sld xmlns:a="http://schemas.openxmlformats.org/drawingml/2006/main" xmlns:r="http://schemas.openxmlformats.org/officeDocument/2006/relationships" xmlns:p="http://schemas.openxmlformats.org/presentationml/2006/main">
   <p:cSld>
     <p:spTree>
@@ -4232,348 +6443,6 @@
 </p:sld>
 </file>
 
-<file path=ppt/slides/slide8.xml><?xml version="1.0" encoding="utf-8"?>
-<p:sld xmlns:a="http://schemas.openxmlformats.org/drawingml/2006/main" xmlns:r="http://schemas.openxmlformats.org/officeDocument/2006/relationships" xmlns:p="http://schemas.openxmlformats.org/presentationml/2006/main">
-  <p:cSld>
-    <p:spTree>
-      <p:nvGrpSpPr>
-        <p:cNvPr id="1" name=""/>
-        <p:cNvGrpSpPr/>
-        <p:nvPr/>
-      </p:nvGrpSpPr>
-      <p:grpSpPr>
-        <a:xfrm>
-          <a:off x="0" y="0"/>
-          <a:ext cx="0" cy="0"/>
-          <a:chOff x="0" y="0"/>
-          <a:chExt cx="0" cy="0"/>
-        </a:xfrm>
-      </p:grpSpPr>
-      <p:sp>
-        <p:nvSpPr>
-          <p:cNvPr id="2" name="标题 1"/>
-          <p:cNvSpPr>
-            <a:spLocks noGrp="1"/>
-          </p:cNvSpPr>
-          <p:nvPr>
-            <p:ph type="title"/>
-          </p:nvPr>
-        </p:nvSpPr>
-        <p:spPr/>
-        <p:txBody>
-          <a:bodyPr/>
-          <a:lstStyle/>
-          <a:p>
-            <a:r>
-              <a:rPr lang="en-US" altLang="zh-CN" dirty="0" smtClean="0"/>
-              <a:t>Python</a:t>
-            </a:r>
-            <a:r>
-              <a:rPr lang="zh-CN" altLang="en-US" dirty="0" smtClean="0"/>
-              <a:t>之禅中文</a:t>
-            </a:r>
-            <a:endParaRPr lang="zh-CN" altLang="en-US" dirty="0"/>
-          </a:p>
-        </p:txBody>
-      </p:sp>
-      <p:sp>
-        <p:nvSpPr>
-          <p:cNvPr id="3" name="内容占位符 2"/>
-          <p:cNvSpPr>
-            <a:spLocks noGrp="1"/>
-          </p:cNvSpPr>
-          <p:nvPr>
-            <p:ph idx="1"/>
-          </p:nvPr>
-        </p:nvSpPr>
-        <p:spPr/>
-        <p:txBody>
-          <a:bodyPr>
-            <a:normAutofit fontScale="77500" lnSpcReduction="20000"/>
-          </a:bodyPr>
-          <a:lstStyle/>
-          <a:p>
-            <a:pPr marL="0" indent="0">
-              <a:buNone/>
-            </a:pPr>
-            <a:r>
-              <a:rPr lang="en-US" altLang="zh-CN" dirty="0"/>
-              <a:t>•</a:t>
-            </a:r>
-            <a:r>
-              <a:rPr lang="zh-CN" altLang="en-US" dirty="0"/>
-              <a:t>优美胜于丑陋（</a:t>
-            </a:r>
-            <a:r>
-              <a:rPr lang="en-US" altLang="zh-CN" dirty="0"/>
-              <a:t>Python </a:t>
-            </a:r>
-            <a:r>
-              <a:rPr lang="zh-CN" altLang="en-US" dirty="0"/>
-              <a:t>以编写优美的代码为目标）</a:t>
-            </a:r>
-            <a:r>
-              <a:rPr lang="zh-CN" altLang="en-US" dirty="0" smtClean="0"/>
-              <a:t/>
-            </a:r>
-            <a:br>
-              <a:rPr lang="zh-CN" altLang="en-US" dirty="0" smtClean="0"/>
-            </a:br>
-            <a:r>
-              <a:rPr lang="en-US" altLang="zh-CN" dirty="0"/>
-              <a:t>•</a:t>
-            </a:r>
-            <a:r>
-              <a:rPr lang="zh-CN" altLang="en-US" dirty="0"/>
-              <a:t>明了胜于晦涩（优美的代码应当是明了的，命名规范，风格相似）</a:t>
-            </a:r>
-            <a:r>
-              <a:rPr lang="zh-CN" altLang="en-US" dirty="0" smtClean="0"/>
-              <a:t/>
-            </a:r>
-            <a:br>
-              <a:rPr lang="zh-CN" altLang="en-US" dirty="0" smtClean="0"/>
-            </a:br>
-            <a:r>
-              <a:rPr lang="en-US" altLang="zh-CN" dirty="0"/>
-              <a:t>•</a:t>
-            </a:r>
-            <a:r>
-              <a:rPr lang="zh-CN" altLang="en-US" dirty="0"/>
-              <a:t>简洁胜于复杂（优美的代码应当是简洁的，不要有复杂的内部实现）</a:t>
-            </a:r>
-            <a:r>
-              <a:rPr lang="zh-CN" altLang="en-US" dirty="0" smtClean="0"/>
-              <a:t/>
-            </a:r>
-            <a:br>
-              <a:rPr lang="zh-CN" altLang="en-US" dirty="0" smtClean="0"/>
-            </a:br>
-            <a:r>
-              <a:rPr lang="en-US" altLang="zh-CN" dirty="0"/>
-              <a:t>•</a:t>
-            </a:r>
-            <a:r>
-              <a:rPr lang="zh-CN" altLang="en-US" dirty="0"/>
-              <a:t>复杂胜于凌乱（如果复杂不可避免，那代码间也不能有难懂的关系，要保持接口简洁）</a:t>
-            </a:r>
-            <a:r>
-              <a:rPr lang="zh-CN" altLang="en-US" dirty="0" smtClean="0"/>
-              <a:t/>
-            </a:r>
-            <a:br>
-              <a:rPr lang="zh-CN" altLang="en-US" dirty="0" smtClean="0"/>
-            </a:br>
-            <a:r>
-              <a:rPr lang="en-US" altLang="zh-CN" dirty="0"/>
-              <a:t>•</a:t>
-            </a:r>
-            <a:r>
-              <a:rPr lang="zh-CN" altLang="en-US" dirty="0"/>
-              <a:t>扁平胜于嵌套（优美的代码应当是扁平的，不能有太多的嵌套）</a:t>
-            </a:r>
-            <a:r>
-              <a:rPr lang="zh-CN" altLang="en-US" dirty="0" smtClean="0"/>
-              <a:t/>
-            </a:r>
-            <a:br>
-              <a:rPr lang="zh-CN" altLang="en-US" dirty="0" smtClean="0"/>
-            </a:br>
-            <a:r>
-              <a:rPr lang="en-US" altLang="zh-CN" dirty="0"/>
-              <a:t>•</a:t>
-            </a:r>
-            <a:r>
-              <a:rPr lang="zh-CN" altLang="en-US" dirty="0"/>
-              <a:t>间隔胜于紧凑（优美的代码有适当的间隔，不要奢望一行代码解决问题）</a:t>
-            </a:r>
-            <a:r>
-              <a:rPr lang="zh-CN" altLang="en-US" dirty="0" smtClean="0"/>
-              <a:t/>
-            </a:r>
-            <a:br>
-              <a:rPr lang="zh-CN" altLang="en-US" dirty="0" smtClean="0"/>
-            </a:br>
-            <a:r>
-              <a:rPr lang="en-US" altLang="zh-CN" dirty="0"/>
-              <a:t>•</a:t>
-            </a:r>
-            <a:r>
-              <a:rPr lang="zh-CN" altLang="en-US" dirty="0"/>
-              <a:t>可读性很重要（优美的代码是可读的）</a:t>
-            </a:r>
-            <a:r>
-              <a:rPr lang="zh-CN" altLang="en-US" dirty="0" smtClean="0"/>
-              <a:t/>
-            </a:r>
-            <a:br>
-              <a:rPr lang="zh-CN" altLang="en-US" dirty="0" smtClean="0"/>
-            </a:br>
-            <a:r>
-              <a:rPr lang="en-US" altLang="zh-CN" dirty="0"/>
-              <a:t>•</a:t>
-            </a:r>
-            <a:r>
-              <a:rPr lang="zh-CN" altLang="en-US" dirty="0"/>
-              <a:t>即便假借特例的实用性之名，也不可违背这些规则（这些规则至高无上）</a:t>
-            </a:r>
-            <a:r>
-              <a:rPr lang="zh-CN" altLang="en-US" dirty="0" smtClean="0"/>
-              <a:t/>
-            </a:r>
-            <a:br>
-              <a:rPr lang="zh-CN" altLang="en-US" dirty="0" smtClean="0"/>
-            </a:br>
-            <a:r>
-              <a:rPr lang="en-US" altLang="zh-CN" dirty="0"/>
-              <a:t>•</a:t>
-            </a:r>
-            <a:r>
-              <a:rPr lang="zh-CN" altLang="en-US" dirty="0"/>
-              <a:t>不要包容所有错误，除非你确定需要这样做（精准地捕获异常，不写 </a:t>
-            </a:r>
-            <a:r>
-              <a:rPr lang="en-US" altLang="zh-CN" dirty="0" err="1"/>
-              <a:t>except:pass</a:t>
-            </a:r>
-            <a:r>
-              <a:rPr lang="en-US" altLang="zh-CN" dirty="0"/>
-              <a:t> </a:t>
-            </a:r>
-            <a:r>
-              <a:rPr lang="zh-CN" altLang="en-US" dirty="0"/>
-              <a:t>风格的代码）</a:t>
-            </a:r>
-            <a:r>
-              <a:rPr lang="zh-CN" altLang="en-US" dirty="0" smtClean="0"/>
-              <a:t/>
-            </a:r>
-            <a:br>
-              <a:rPr lang="zh-CN" altLang="en-US" dirty="0" smtClean="0"/>
-            </a:br>
-            <a:r>
-              <a:rPr lang="en-US" altLang="zh-CN" dirty="0"/>
-              <a:t>•</a:t>
-            </a:r>
-            <a:r>
-              <a:rPr lang="zh-CN" altLang="en-US" dirty="0"/>
-              <a:t>当存在多种可能，不要尝试去猜测</a:t>
-            </a:r>
-            <a:r>
-              <a:rPr lang="zh-CN" altLang="en-US" dirty="0" smtClean="0"/>
-              <a:t/>
-            </a:r>
-            <a:br>
-              <a:rPr lang="zh-CN" altLang="en-US" dirty="0" smtClean="0"/>
-            </a:br>
-            <a:r>
-              <a:rPr lang="en-US" altLang="zh-CN" dirty="0"/>
-              <a:t>•</a:t>
-            </a:r>
-            <a:r>
-              <a:rPr lang="zh-CN" altLang="en-US" dirty="0"/>
-              <a:t>而是尽量找一种，最好是唯一一种明显的解决方案（如果不确定，就用穷举法）</a:t>
-            </a:r>
-            <a:r>
-              <a:rPr lang="zh-CN" altLang="en-US" dirty="0" smtClean="0"/>
-              <a:t/>
-            </a:r>
-            <a:br>
-              <a:rPr lang="zh-CN" altLang="en-US" dirty="0" smtClean="0"/>
-            </a:br>
-            <a:r>
-              <a:rPr lang="en-US" altLang="zh-CN" dirty="0"/>
-              <a:t>•</a:t>
-            </a:r>
-            <a:r>
-              <a:rPr lang="zh-CN" altLang="en-US" dirty="0"/>
-              <a:t>虽然这并不容易，因为你不是 </a:t>
-            </a:r>
-            <a:r>
-              <a:rPr lang="en-US" altLang="zh-CN" dirty="0"/>
-              <a:t>Python </a:t>
-            </a:r>
-            <a:r>
-              <a:rPr lang="zh-CN" altLang="en-US" dirty="0"/>
-              <a:t>之父（这里的 </a:t>
-            </a:r>
-            <a:r>
-              <a:rPr lang="en-US" altLang="zh-CN" dirty="0"/>
-              <a:t>Dutch </a:t>
-            </a:r>
-            <a:r>
-              <a:rPr lang="zh-CN" altLang="en-US" dirty="0"/>
-              <a:t>是指 </a:t>
-            </a:r>
-            <a:r>
-              <a:rPr lang="en-US" altLang="zh-CN" dirty="0"/>
-              <a:t>Guido </a:t>
-            </a:r>
-            <a:r>
-              <a:rPr lang="zh-CN" altLang="en-US" dirty="0"/>
-              <a:t>）</a:t>
-            </a:r>
-            <a:r>
-              <a:rPr lang="zh-CN" altLang="en-US" dirty="0" smtClean="0"/>
-              <a:t/>
-            </a:r>
-            <a:br>
-              <a:rPr lang="zh-CN" altLang="en-US" dirty="0" smtClean="0"/>
-            </a:br>
-            <a:r>
-              <a:rPr lang="en-US" altLang="zh-CN" dirty="0"/>
-              <a:t>•</a:t>
-            </a:r>
-            <a:r>
-              <a:rPr lang="zh-CN" altLang="en-US" dirty="0"/>
-              <a:t>做也许好过不做，但不假思索就动手还不如不做（动手之前要细思量）</a:t>
-            </a:r>
-            <a:r>
-              <a:rPr lang="zh-CN" altLang="en-US" dirty="0" smtClean="0"/>
-              <a:t/>
-            </a:r>
-            <a:br>
-              <a:rPr lang="zh-CN" altLang="en-US" dirty="0" smtClean="0"/>
-            </a:br>
-            <a:r>
-              <a:rPr lang="en-US" altLang="zh-CN" dirty="0"/>
-              <a:t>•</a:t>
-            </a:r>
-            <a:r>
-              <a:rPr lang="zh-CN" altLang="en-US" dirty="0"/>
-              <a:t>如果你无法向人描述你的方案，那肯定不是一个好方案；反之亦然（方案测评标准）</a:t>
-            </a:r>
-            <a:r>
-              <a:rPr lang="zh-CN" altLang="en-US" dirty="0" smtClean="0"/>
-              <a:t/>
-            </a:r>
-            <a:br>
-              <a:rPr lang="zh-CN" altLang="en-US" dirty="0" smtClean="0"/>
-            </a:br>
-            <a:r>
-              <a:rPr lang="en-US" altLang="zh-CN" dirty="0"/>
-              <a:t>•</a:t>
-            </a:r>
-            <a:r>
-              <a:rPr lang="zh-CN" altLang="en-US" dirty="0"/>
-              <a:t>命名空间是一种绝妙的理念，我们应当多加利用（倡导与号召）</a:t>
-            </a:r>
-          </a:p>
-        </p:txBody>
-      </p:sp>
-    </p:spTree>
-    <p:extLst>
-      <p:ext uri="{BB962C8B-B14F-4D97-AF65-F5344CB8AC3E}">
-        <p14:creationId xmlns:p14="http://schemas.microsoft.com/office/powerpoint/2010/main" val="1898891218"/>
-      </p:ext>
-    </p:extLst>
-  </p:cSld>
-  <p:clrMapOvr>
-    <a:masterClrMapping/>
-  </p:clrMapOvr>
-</p:sld>
-</file>
-
 <file path=ppt/slides/slide9.xml><?xml version="1.0" encoding="utf-8"?>
 <p:sld xmlns:a="http://schemas.openxmlformats.org/drawingml/2006/main" xmlns:r="http://schemas.openxmlformats.org/officeDocument/2006/relationships" xmlns:p="http://schemas.openxmlformats.org/presentationml/2006/main">
   <p:cSld>
@@ -4607,12 +6476,12 @@
           <a:lstStyle/>
           <a:p>
             <a:r>
-              <a:rPr lang="en-US" altLang="zh-CN" dirty="0" err="1" smtClean="0"/>
-              <a:t>Pythonic</a:t>
+              <a:rPr lang="en-US" altLang="zh-CN" dirty="0" smtClean="0"/>
+              <a:t>Python</a:t>
             </a:r>
             <a:r>
               <a:rPr lang="zh-CN" altLang="en-US" dirty="0" smtClean="0"/>
-              <a:t>代码</a:t>
+              <a:t>之禅中文</a:t>
             </a:r>
             <a:endParaRPr lang="zh-CN" altLang="en-US" dirty="0"/>
           </a:p>
@@ -4628,157 +6497,285 @@
             <p:ph idx="1"/>
           </p:nvPr>
         </p:nvSpPr>
-        <p:spPr>
-          <a:xfrm>
-            <a:off x="838200" y="1489166"/>
-            <a:ext cx="10515600" cy="5111931"/>
-          </a:xfrm>
-        </p:spPr>
+        <p:spPr/>
         <p:txBody>
           <a:bodyPr>
-            <a:normAutofit/>
+            <a:normAutofit fontScale="77500" lnSpcReduction="20000"/>
           </a:bodyPr>
           <a:lstStyle/>
           <a:p>
+            <a:pPr marL="0" indent="0">
+              <a:buNone/>
+            </a:pPr>
+            <a:r>
+              <a:rPr lang="en-US" altLang="zh-CN" dirty="0"/>
+              <a:t>•</a:t>
+            </a:r>
+            <a:r>
+              <a:rPr lang="zh-CN" altLang="en-US" dirty="0"/>
+              <a:t>优美胜于丑陋（</a:t>
+            </a:r>
+            <a:r>
+              <a:rPr lang="en-US" altLang="zh-CN" dirty="0"/>
+              <a:t>Python </a:t>
+            </a:r>
+            <a:r>
+              <a:rPr lang="zh-CN" altLang="en-US" dirty="0"/>
+              <a:t>以编写优美的代码为目标）</a:t>
+            </a:r>
             <a:r>
               <a:rPr lang="zh-CN" altLang="en-US" dirty="0" smtClean="0"/>
-              <a:t>列表推导</a:t>
-            </a:r>
-            <a:endParaRPr lang="en-US" altLang="zh-CN" dirty="0" smtClean="0"/>
-          </a:p>
-          <a:p>
-            <a:pPr marL="0" indent="0">
-              <a:buNone/>
-            </a:pPr>
-            <a:endParaRPr lang="en-US" altLang="zh-CN" dirty="0" smtClean="0"/>
-          </a:p>
-          <a:p>
-            <a:pPr marL="0" indent="0">
-              <a:buNone/>
-            </a:pPr>
-            <a:endParaRPr lang="en-US" altLang="zh-CN" dirty="0" smtClean="0"/>
-          </a:p>
-          <a:p>
+              <a:t/>
+            </a:r>
+            <a:br>
+              <a:rPr lang="zh-CN" altLang="en-US" dirty="0" smtClean="0"/>
+            </a:br>
+            <a:r>
+              <a:rPr lang="en-US" altLang="zh-CN" dirty="0"/>
+              <a:t>•</a:t>
+            </a:r>
             <a:r>
               <a:rPr lang="zh-CN" altLang="en-US" dirty="0"/>
-              <a:t>字典推导</a:t>
+              <a:t>明了胜于晦涩（优美的代码应当是明了的，命名规范，风格相似）</a:t>
             </a:r>
             <a:r>
               <a:rPr lang="zh-CN" altLang="en-US" dirty="0" smtClean="0"/>
-              <a:t>式</a:t>
-            </a:r>
-            <a:endParaRPr lang="en-US" altLang="zh-CN" dirty="0" smtClean="0"/>
-          </a:p>
-          <a:p>
-            <a:pPr marL="0" indent="0">
-              <a:buNone/>
-            </a:pPr>
-            <a:endParaRPr lang="en-US" altLang="zh-CN" dirty="0" smtClean="0"/>
-          </a:p>
-          <a:p>
-            <a:pPr marL="0" indent="0">
-              <a:buNone/>
-            </a:pPr>
-            <a:endParaRPr lang="en-US" altLang="zh-CN" dirty="0" smtClean="0"/>
-          </a:p>
-          <a:p>
+              <a:t/>
+            </a:r>
+            <a:br>
+              <a:rPr lang="zh-CN" altLang="en-US" dirty="0" smtClean="0"/>
+            </a:br>
+            <a:r>
+              <a:rPr lang="en-US" altLang="zh-CN" dirty="0"/>
+              <a:t>•</a:t>
+            </a:r>
             <a:r>
               <a:rPr lang="zh-CN" altLang="en-US" dirty="0"/>
-              <a:t>集合推导</a:t>
+              <a:t>简洁胜于复杂（优美的代码应当是简洁的，不要有复杂的内部实现）</a:t>
             </a:r>
             <a:r>
               <a:rPr lang="zh-CN" altLang="en-US" dirty="0" smtClean="0"/>
-              <a:t>式</a:t>
-            </a:r>
-            <a:endParaRPr lang="en-US" altLang="zh-CN" dirty="0" smtClean="0"/>
-          </a:p>
-          <a:p>
-            <a:endParaRPr lang="en-US" altLang="zh-CN" dirty="0"/>
-          </a:p>
-          <a:p>
-            <a:pPr marL="0" indent="0">
-              <a:buNone/>
-            </a:pPr>
-            <a:endParaRPr lang="en-US" altLang="zh-CN" dirty="0" smtClean="0"/>
-          </a:p>
-        </p:txBody>
-      </p:sp>
-      <p:pic>
-        <p:nvPicPr>
-          <p:cNvPr id="4" name="图片 3"/>
-          <p:cNvPicPr>
-            <a:picLocks noChangeAspect="1"/>
-          </p:cNvPicPr>
-          <p:nvPr/>
-        </p:nvPicPr>
-        <p:blipFill>
-          <a:blip r:embed="rId2"/>
-          <a:stretch>
-            <a:fillRect/>
-          </a:stretch>
-        </p:blipFill>
-        <p:spPr>
-          <a:xfrm>
-            <a:off x="1453651" y="2005104"/>
-            <a:ext cx="3571875" cy="809625"/>
-          </a:xfrm>
-          <a:prstGeom prst="rect">
-            <a:avLst/>
-          </a:prstGeom>
-        </p:spPr>
-      </p:pic>
-      <p:pic>
-        <p:nvPicPr>
-          <p:cNvPr id="5" name="图片 4"/>
-          <p:cNvPicPr>
-            <a:picLocks noChangeAspect="1"/>
-          </p:cNvPicPr>
-          <p:nvPr/>
-        </p:nvPicPr>
-        <p:blipFill>
-          <a:blip r:embed="rId3"/>
-          <a:stretch>
-            <a:fillRect/>
-          </a:stretch>
-        </p:blipFill>
-        <p:spPr>
-          <a:xfrm>
-            <a:off x="1453651" y="3492681"/>
-            <a:ext cx="4943475" cy="1104900"/>
-          </a:xfrm>
-          <a:prstGeom prst="rect">
-            <a:avLst/>
-          </a:prstGeom>
-        </p:spPr>
-      </p:pic>
-      <p:pic>
-        <p:nvPicPr>
-          <p:cNvPr id="6" name="图片 5"/>
-          <p:cNvPicPr>
-            <a:picLocks noChangeAspect="1"/>
-          </p:cNvPicPr>
-          <p:nvPr/>
-        </p:nvPicPr>
-        <p:blipFill>
-          <a:blip r:embed="rId4"/>
-          <a:stretch>
-            <a:fillRect/>
-          </a:stretch>
-        </p:blipFill>
-        <p:spPr>
-          <a:xfrm>
-            <a:off x="1453651" y="5183130"/>
-            <a:ext cx="4019550" cy="981075"/>
-          </a:xfrm>
-          <a:prstGeom prst="rect">
-            <a:avLst/>
-          </a:prstGeom>
-        </p:spPr>
-      </p:pic>
+              <a:t/>
+            </a:r>
+            <a:br>
+              <a:rPr lang="zh-CN" altLang="en-US" dirty="0" smtClean="0"/>
+            </a:br>
+            <a:r>
+              <a:rPr lang="en-US" altLang="zh-CN" dirty="0"/>
+              <a:t>•</a:t>
+            </a:r>
+            <a:r>
+              <a:rPr lang="zh-CN" altLang="en-US" dirty="0"/>
+              <a:t>复杂胜于凌乱（如果复杂不可避免，那代码间也不能有难懂的关系，要保持接口简洁）</a:t>
+            </a:r>
+            <a:r>
+              <a:rPr lang="zh-CN" altLang="en-US" dirty="0" smtClean="0"/>
+              <a:t/>
+            </a:r>
+            <a:br>
+              <a:rPr lang="zh-CN" altLang="en-US" dirty="0" smtClean="0"/>
+            </a:br>
+            <a:r>
+              <a:rPr lang="en-US" altLang="zh-CN" dirty="0"/>
+              <a:t>•</a:t>
+            </a:r>
+            <a:r>
+              <a:rPr lang="zh-CN" altLang="en-US" dirty="0"/>
+              <a:t>扁平胜于嵌套（优美的代码应当是扁平的，不能有太多的嵌套）</a:t>
+            </a:r>
+            <a:r>
+              <a:rPr lang="zh-CN" altLang="en-US" dirty="0" smtClean="0"/>
+              <a:t/>
+            </a:r>
+            <a:br>
+              <a:rPr lang="zh-CN" altLang="en-US" dirty="0" smtClean="0"/>
+            </a:br>
+            <a:r>
+              <a:rPr lang="en-US" altLang="zh-CN" dirty="0"/>
+              <a:t>•</a:t>
+            </a:r>
+            <a:r>
+              <a:rPr lang="zh-CN" altLang="en-US" dirty="0"/>
+              <a:t>间隔胜于紧凑（优美的代码有适当的间隔，不要奢望一行代码解决问题）</a:t>
+            </a:r>
+            <a:r>
+              <a:rPr lang="zh-CN" altLang="en-US" dirty="0" smtClean="0"/>
+              <a:t/>
+            </a:r>
+            <a:br>
+              <a:rPr lang="zh-CN" altLang="en-US" dirty="0" smtClean="0"/>
+            </a:br>
+            <a:r>
+              <a:rPr lang="en-US" altLang="zh-CN" dirty="0"/>
+              <a:t>•</a:t>
+            </a:r>
+            <a:r>
+              <a:rPr lang="zh-CN" altLang="en-US" dirty="0"/>
+              <a:t>可读性很重要（优美的代码是可读的）</a:t>
+            </a:r>
+            <a:r>
+              <a:rPr lang="zh-CN" altLang="en-US" dirty="0" smtClean="0"/>
+              <a:t/>
+            </a:r>
+            <a:br>
+              <a:rPr lang="zh-CN" altLang="en-US" dirty="0" smtClean="0"/>
+            </a:br>
+            <a:r>
+              <a:rPr lang="en-US" altLang="zh-CN" dirty="0"/>
+              <a:t>•</a:t>
+            </a:r>
+            <a:r>
+              <a:rPr lang="zh-CN" altLang="en-US" dirty="0"/>
+              <a:t>即便假借特例的实用性之名，也不可违背这些规则（这些规则至高无上）</a:t>
+            </a:r>
+            <a:r>
+              <a:rPr lang="zh-CN" altLang="en-US" dirty="0" smtClean="0"/>
+              <a:t/>
+            </a:r>
+            <a:br>
+              <a:rPr lang="zh-CN" altLang="en-US" dirty="0" smtClean="0"/>
+            </a:br>
+            <a:r>
+              <a:rPr lang="en-US" altLang="zh-CN" dirty="0"/>
+              <a:t>•</a:t>
+            </a:r>
+            <a:r>
+              <a:rPr lang="zh-CN" altLang="en-US" dirty="0"/>
+              <a:t>不要包容所有错误，除非你确定需要这样做（精准地捕获异常，不写 </a:t>
+            </a:r>
+            <a:r>
+              <a:rPr lang="en-US" altLang="zh-CN" dirty="0" err="1"/>
+              <a:t>except:pass</a:t>
+            </a:r>
+            <a:r>
+              <a:rPr lang="en-US" altLang="zh-CN" dirty="0"/>
+              <a:t> </a:t>
+            </a:r>
+            <a:r>
+              <a:rPr lang="zh-CN" altLang="en-US" dirty="0"/>
+              <a:t>风格的代码）</a:t>
+            </a:r>
+            <a:r>
+              <a:rPr lang="zh-CN" altLang="en-US" dirty="0" smtClean="0"/>
+              <a:t/>
+            </a:r>
+            <a:br>
+              <a:rPr lang="zh-CN" altLang="en-US" dirty="0" smtClean="0"/>
+            </a:br>
+            <a:r>
+              <a:rPr lang="en-US" altLang="zh-CN" dirty="0"/>
+              <a:t>•</a:t>
+            </a:r>
+            <a:r>
+              <a:rPr lang="zh-CN" altLang="en-US" dirty="0"/>
+              <a:t>当存在多种可能，不要尝试去猜测</a:t>
+            </a:r>
+            <a:r>
+              <a:rPr lang="zh-CN" altLang="en-US" dirty="0" smtClean="0"/>
+              <a:t/>
+            </a:r>
+            <a:br>
+              <a:rPr lang="zh-CN" altLang="en-US" dirty="0" smtClean="0"/>
+            </a:br>
+            <a:r>
+              <a:rPr lang="en-US" altLang="zh-CN" dirty="0"/>
+              <a:t>•</a:t>
+            </a:r>
+            <a:r>
+              <a:rPr lang="zh-CN" altLang="en-US" dirty="0"/>
+              <a:t>而是尽量找一种，最好是唯一一种明显的解决方案（如果不确定，就用穷举法）</a:t>
+            </a:r>
+            <a:r>
+              <a:rPr lang="zh-CN" altLang="en-US" dirty="0" smtClean="0"/>
+              <a:t/>
+            </a:r>
+            <a:br>
+              <a:rPr lang="zh-CN" altLang="en-US" dirty="0" smtClean="0"/>
+            </a:br>
+            <a:r>
+              <a:rPr lang="en-US" altLang="zh-CN" dirty="0"/>
+              <a:t>•</a:t>
+            </a:r>
+            <a:r>
+              <a:rPr lang="zh-CN" altLang="en-US" dirty="0"/>
+              <a:t>虽然这并不容易，因为你不是 </a:t>
+            </a:r>
+            <a:r>
+              <a:rPr lang="en-US" altLang="zh-CN" dirty="0"/>
+              <a:t>Python </a:t>
+            </a:r>
+            <a:r>
+              <a:rPr lang="zh-CN" altLang="en-US" dirty="0"/>
+              <a:t>之父（这里的 </a:t>
+            </a:r>
+            <a:r>
+              <a:rPr lang="en-US" altLang="zh-CN" dirty="0"/>
+              <a:t>Dutch </a:t>
+            </a:r>
+            <a:r>
+              <a:rPr lang="zh-CN" altLang="en-US" dirty="0"/>
+              <a:t>是指 </a:t>
+            </a:r>
+            <a:r>
+              <a:rPr lang="en-US" altLang="zh-CN" dirty="0"/>
+              <a:t>Guido </a:t>
+            </a:r>
+            <a:r>
+              <a:rPr lang="zh-CN" altLang="en-US" dirty="0"/>
+              <a:t>）</a:t>
+            </a:r>
+            <a:r>
+              <a:rPr lang="zh-CN" altLang="en-US" dirty="0" smtClean="0"/>
+              <a:t/>
+            </a:r>
+            <a:br>
+              <a:rPr lang="zh-CN" altLang="en-US" dirty="0" smtClean="0"/>
+            </a:br>
+            <a:r>
+              <a:rPr lang="en-US" altLang="zh-CN" dirty="0"/>
+              <a:t>•</a:t>
+            </a:r>
+            <a:r>
+              <a:rPr lang="zh-CN" altLang="en-US" dirty="0"/>
+              <a:t>做也许好过不做，但不假思索就动手还不如不做（动手之前要细思量）</a:t>
+            </a:r>
+            <a:r>
+              <a:rPr lang="zh-CN" altLang="en-US" dirty="0" smtClean="0"/>
+              <a:t/>
+            </a:r>
+            <a:br>
+              <a:rPr lang="zh-CN" altLang="en-US" dirty="0" smtClean="0"/>
+            </a:br>
+            <a:r>
+              <a:rPr lang="en-US" altLang="zh-CN" dirty="0"/>
+              <a:t>•</a:t>
+            </a:r>
+            <a:r>
+              <a:rPr lang="zh-CN" altLang="en-US" dirty="0"/>
+              <a:t>如果你无法向人描述你的方案，那肯定不是一个好方案；反之亦然（方案测评标准）</a:t>
+            </a:r>
+            <a:r>
+              <a:rPr lang="zh-CN" altLang="en-US" dirty="0" smtClean="0"/>
+              <a:t/>
+            </a:r>
+            <a:br>
+              <a:rPr lang="zh-CN" altLang="en-US" dirty="0" smtClean="0"/>
+            </a:br>
+            <a:r>
+              <a:rPr lang="en-US" altLang="zh-CN" dirty="0"/>
+              <a:t>•</a:t>
+            </a:r>
+            <a:r>
+              <a:rPr lang="zh-CN" altLang="en-US" dirty="0"/>
+              <a:t>命名空间是一种绝妙的理念，我们应当多加利用（倡导与号召）</a:t>
+            </a:r>
+          </a:p>
+        </p:txBody>
+      </p:sp>
     </p:spTree>
     <p:extLst>
       <p:ext uri="{BB962C8B-B14F-4D97-AF65-F5344CB8AC3E}">
-        <p14:creationId xmlns:p14="http://schemas.microsoft.com/office/powerpoint/2010/main" val="246588084"/>
+        <p14:creationId xmlns:p14="http://schemas.microsoft.com/office/powerpoint/2010/main" val="1898891218"/>
       </p:ext>
     </p:extLst>
   </p:cSld>

--- a/Python和自动化测试.pptx
+++ b/Python和自动化测试.pptx
@@ -23,6 +23,11 @@
     <p:sldId id="271" r:id="rId17"/>
     <p:sldId id="273" r:id="rId18"/>
     <p:sldId id="272" r:id="rId19"/>
+    <p:sldId id="274" r:id="rId20"/>
+    <p:sldId id="275" r:id="rId21"/>
+    <p:sldId id="276" r:id="rId22"/>
+    <p:sldId id="277" r:id="rId23"/>
+    <p:sldId id="278" r:id="rId24"/>
   </p:sldIdLst>
   <p:sldSz cx="12192000" cy="6858000"/>
   <p:notesSz cx="6858000" cy="9144000"/>
@@ -260,7 +265,7 @@
           <a:p>
             <a:fld id="{0D917901-B90C-408E-AD34-AAEB7588CD27}" type="datetimeFigureOut">
               <a:rPr lang="zh-CN" altLang="en-US" smtClean="0"/>
-              <a:t>2019-07-20</a:t>
+              <a:t>2019-07-22</a:t>
             </a:fld>
             <a:endParaRPr lang="zh-CN" altLang="en-US"/>
           </a:p>
@@ -430,7 +435,7 @@
           <a:p>
             <a:fld id="{0D917901-B90C-408E-AD34-AAEB7588CD27}" type="datetimeFigureOut">
               <a:rPr lang="zh-CN" altLang="en-US" smtClean="0"/>
-              <a:t>2019-07-20</a:t>
+              <a:t>2019-07-22</a:t>
             </a:fld>
             <a:endParaRPr lang="zh-CN" altLang="en-US"/>
           </a:p>
@@ -610,7 +615,7 @@
           <a:p>
             <a:fld id="{0D917901-B90C-408E-AD34-AAEB7588CD27}" type="datetimeFigureOut">
               <a:rPr lang="zh-CN" altLang="en-US" smtClean="0"/>
-              <a:t>2019-07-20</a:t>
+              <a:t>2019-07-22</a:t>
             </a:fld>
             <a:endParaRPr lang="zh-CN" altLang="en-US"/>
           </a:p>
@@ -780,7 +785,7 @@
           <a:p>
             <a:fld id="{0D917901-B90C-408E-AD34-AAEB7588CD27}" type="datetimeFigureOut">
               <a:rPr lang="zh-CN" altLang="en-US" smtClean="0"/>
-              <a:t>2019-07-20</a:t>
+              <a:t>2019-07-22</a:t>
             </a:fld>
             <a:endParaRPr lang="zh-CN" altLang="en-US"/>
           </a:p>
@@ -1026,7 +1031,7 @@
           <a:p>
             <a:fld id="{0D917901-B90C-408E-AD34-AAEB7588CD27}" type="datetimeFigureOut">
               <a:rPr lang="zh-CN" altLang="en-US" smtClean="0"/>
-              <a:t>2019-07-20</a:t>
+              <a:t>2019-07-22</a:t>
             </a:fld>
             <a:endParaRPr lang="zh-CN" altLang="en-US"/>
           </a:p>
@@ -1258,7 +1263,7 @@
           <a:p>
             <a:fld id="{0D917901-B90C-408E-AD34-AAEB7588CD27}" type="datetimeFigureOut">
               <a:rPr lang="zh-CN" altLang="en-US" smtClean="0"/>
-              <a:t>2019-07-20</a:t>
+              <a:t>2019-07-22</a:t>
             </a:fld>
             <a:endParaRPr lang="zh-CN" altLang="en-US"/>
           </a:p>
@@ -1625,7 +1630,7 @@
           <a:p>
             <a:fld id="{0D917901-B90C-408E-AD34-AAEB7588CD27}" type="datetimeFigureOut">
               <a:rPr lang="zh-CN" altLang="en-US" smtClean="0"/>
-              <a:t>2019-07-20</a:t>
+              <a:t>2019-07-22</a:t>
             </a:fld>
             <a:endParaRPr lang="zh-CN" altLang="en-US"/>
           </a:p>
@@ -1743,7 +1748,7 @@
           <a:p>
             <a:fld id="{0D917901-B90C-408E-AD34-AAEB7588CD27}" type="datetimeFigureOut">
               <a:rPr lang="zh-CN" altLang="en-US" smtClean="0"/>
-              <a:t>2019-07-20</a:t>
+              <a:t>2019-07-22</a:t>
             </a:fld>
             <a:endParaRPr lang="zh-CN" altLang="en-US"/>
           </a:p>
@@ -1838,7 +1843,7 @@
           <a:p>
             <a:fld id="{0D917901-B90C-408E-AD34-AAEB7588CD27}" type="datetimeFigureOut">
               <a:rPr lang="zh-CN" altLang="en-US" smtClean="0"/>
-              <a:t>2019-07-20</a:t>
+              <a:t>2019-07-22</a:t>
             </a:fld>
             <a:endParaRPr lang="zh-CN" altLang="en-US"/>
           </a:p>
@@ -2115,7 +2120,7 @@
           <a:p>
             <a:fld id="{0D917901-B90C-408E-AD34-AAEB7588CD27}" type="datetimeFigureOut">
               <a:rPr lang="zh-CN" altLang="en-US" smtClean="0"/>
-              <a:t>2019-07-20</a:t>
+              <a:t>2019-07-22</a:t>
             </a:fld>
             <a:endParaRPr lang="zh-CN" altLang="en-US"/>
           </a:p>
@@ -2368,7 +2373,7 @@
           <a:p>
             <a:fld id="{0D917901-B90C-408E-AD34-AAEB7588CD27}" type="datetimeFigureOut">
               <a:rPr lang="zh-CN" altLang="en-US" smtClean="0"/>
-              <a:t>2019-07-20</a:t>
+              <a:t>2019-07-22</a:t>
             </a:fld>
             <a:endParaRPr lang="zh-CN" altLang="en-US"/>
           </a:p>
@@ -2581,7 +2586,7 @@
           <a:p>
             <a:fld id="{0D917901-B90C-408E-AD34-AAEB7588CD27}" type="datetimeFigureOut">
               <a:rPr lang="zh-CN" altLang="en-US" smtClean="0"/>
-              <a:t>2019-07-20</a:t>
+              <a:t>2019-07-22</a:t>
             </a:fld>
             <a:endParaRPr lang="zh-CN" altLang="en-US"/>
           </a:p>
@@ -4719,11 +4724,7 @@
           <a:p>
             <a:r>
               <a:rPr lang="zh-CN" altLang="en-US" dirty="0" smtClean="0"/>
-              <a:t>自动化</a:t>
-            </a:r>
-            <a:r>
-              <a:rPr lang="zh-CN" altLang="en-US" dirty="0" smtClean="0"/>
-              <a:t>测试</a:t>
+              <a:t>自动化测试</a:t>
             </a:r>
             <a:r>
               <a:rPr lang="en-US" altLang="zh-CN" dirty="0" smtClean="0"/>
@@ -4744,7 +4745,6 @@
               <a:rPr lang="zh-CN" altLang="en-US" sz="3200" dirty="0"/>
               <a:t>的持续交付</a:t>
             </a:r>
-            <a:endParaRPr lang="zh-CN" altLang="en-US" sz="3200" dirty="0"/>
           </a:p>
         </p:txBody>
       </p:sp>
@@ -5085,11 +5085,7 @@
           <a:p>
             <a:r>
               <a:rPr lang="zh-CN" altLang="en-US" sz="2000" dirty="0"/>
-              <a:t>测试数据，就是我们写的测试用例了， 包括测试步骤、关键字和</a:t>
-            </a:r>
-            <a:r>
-              <a:rPr lang="zh-CN" altLang="en-US" sz="2000" dirty="0"/>
-              <a:t>用例数据。这里特指用满足</a:t>
+              <a:t>测试数据，就是我们写的测试用例了， 包括测试步骤、关键字和用例数据。这里特指用满足</a:t>
             </a:r>
             <a:r>
               <a:rPr lang="en-US" altLang="zh-CN" sz="2000" dirty="0"/>
@@ -5097,19 +5093,7 @@
             </a:r>
             <a:r>
               <a:rPr lang="zh-CN" altLang="en-US" sz="2000" dirty="0"/>
-              <a:t>语法写成的表格样式的</a:t>
-            </a:r>
-            <a:r>
-              <a:rPr lang="zh-CN" altLang="en-US" sz="2000" dirty="0"/>
-              <a:t>测试用例</a:t>
-            </a:r>
-            <a:r>
-              <a:rPr lang="zh-CN" altLang="en-US" sz="2000" dirty="0"/>
-              <a:t>，</a:t>
-            </a:r>
-            <a:r>
-              <a:rPr lang="zh-CN" altLang="en-US" sz="2000" dirty="0"/>
-              <a:t>支持纯文本格式、</a:t>
+              <a:t>语法写成的表格样式的测试用例，支持纯文本格式、</a:t>
             </a:r>
             <a:r>
               <a:rPr lang="en-US" altLang="zh-CN" sz="2000" dirty="0" err="1">
@@ -5129,7 +5113,6 @@
               <a:rPr lang="zh-CN" altLang="en-US" sz="2000" dirty="0"/>
               <a:t>格式等。</a:t>
             </a:r>
-            <a:endParaRPr lang="zh-CN" altLang="en-US" sz="2000" dirty="0"/>
           </a:p>
           <a:p>
             <a:r>
@@ -5173,11 +5156,7 @@
             </a:r>
             <a:r>
               <a:rPr lang="zh-CN" altLang="en-US" sz="2000" dirty="0"/>
-              <a:t>用户测试库</a:t>
-            </a:r>
-            <a:r>
-              <a:rPr lang="zh-CN" altLang="en-US" sz="2000" dirty="0"/>
-              <a:t>：</a:t>
+              <a:t>用户测试库：</a:t>
             </a:r>
             <a:r>
               <a:rPr lang="en-US" altLang="zh-CN" sz="2000" dirty="0"/>
@@ -5421,13 +5400,16 @@
               <a:rPr lang="zh-CN" altLang="en-US" sz="2800" dirty="0" smtClean="0"/>
               <a:t>具体实现</a:t>
             </a:r>
-            <a:endParaRPr lang="zh-CN" altLang="en-US" sz="2800" dirty="0"/>
+            <a:r>
+              <a:rPr lang="zh-CN" altLang="en-US" sz="2800" dirty="0"/>
+              <a:t>框图</a:t>
+            </a:r>
           </a:p>
         </p:txBody>
       </p:sp>
       <p:pic>
         <p:nvPicPr>
-          <p:cNvPr id="6" name="内容占位符 5"/>
+          <p:cNvPr id="5" name="内容占位符 4"/>
           <p:cNvPicPr>
             <a:picLocks noGrp="1" noChangeAspect="1"/>
           </p:cNvPicPr>
@@ -5443,8 +5425,8 @@
         </p:blipFill>
         <p:spPr>
           <a:xfrm>
-            <a:off x="2008006" y="1690688"/>
-            <a:ext cx="6486525" cy="3838575"/>
+            <a:off x="3243325" y="1690688"/>
+            <a:ext cx="4799657" cy="4351338"/>
           </a:xfrm>
           <a:prstGeom prst="rect">
             <a:avLst/>
@@ -5455,6 +5437,100 @@
     <p:extLst>
       <p:ext uri="{BB962C8B-B14F-4D97-AF65-F5344CB8AC3E}">
         <p14:creationId xmlns:p14="http://schemas.microsoft.com/office/powerpoint/2010/main" val="1585147839"/>
+      </p:ext>
+    </p:extLst>
+  </p:cSld>
+  <p:clrMapOvr>
+    <a:masterClrMapping/>
+  </p:clrMapOvr>
+</p:sld>
+</file>
+
+<file path=ppt/slides/slide19.xml><?xml version="1.0" encoding="utf-8"?>
+<p:sld xmlns:a="http://schemas.openxmlformats.org/drawingml/2006/main" xmlns:r="http://schemas.openxmlformats.org/officeDocument/2006/relationships" xmlns:p="http://schemas.openxmlformats.org/presentationml/2006/main">
+  <p:cSld>
+    <p:spTree>
+      <p:nvGrpSpPr>
+        <p:cNvPr id="1" name=""/>
+        <p:cNvGrpSpPr/>
+        <p:nvPr/>
+      </p:nvGrpSpPr>
+      <p:grpSpPr>
+        <a:xfrm>
+          <a:off x="0" y="0"/>
+          <a:ext cx="0" cy="0"/>
+          <a:chOff x="0" y="0"/>
+          <a:chExt cx="0" cy="0"/>
+        </a:xfrm>
+      </p:grpSpPr>
+      <p:sp>
+        <p:nvSpPr>
+          <p:cNvPr id="2" name="标题 1"/>
+          <p:cNvSpPr>
+            <a:spLocks noGrp="1"/>
+          </p:cNvSpPr>
+          <p:nvPr>
+            <p:ph type="title"/>
+          </p:nvPr>
+        </p:nvSpPr>
+        <p:spPr/>
+        <p:txBody>
+          <a:bodyPr/>
+          <a:lstStyle/>
+          <a:p>
+            <a:r>
+              <a:rPr lang="zh-CN" altLang="en-US" dirty="0" smtClean="0"/>
+              <a:t>自动化测试</a:t>
+            </a:r>
+            <a:r>
+              <a:rPr lang="en-US" altLang="zh-CN" dirty="0" smtClean="0"/>
+              <a:t/>
+            </a:r>
+            <a:br>
+              <a:rPr lang="en-US" altLang="zh-CN" dirty="0" smtClean="0"/>
+            </a:br>
+            <a:r>
+              <a:rPr lang="en-US" altLang="zh-CN" sz="2400" dirty="0" smtClean="0"/>
+              <a:t>robot</a:t>
+            </a:r>
+            <a:r>
+              <a:rPr lang="zh-CN" altLang="en-US" sz="2400" dirty="0" smtClean="0"/>
+              <a:t>命令入口</a:t>
+            </a:r>
+            <a:endParaRPr lang="zh-CN" altLang="en-US" sz="2400" dirty="0"/>
+          </a:p>
+        </p:txBody>
+      </p:sp>
+      <p:pic>
+        <p:nvPicPr>
+          <p:cNvPr id="4" name="内容占位符 3"/>
+          <p:cNvPicPr>
+            <a:picLocks noGrp="1" noChangeAspect="1"/>
+          </p:cNvPicPr>
+          <p:nvPr>
+            <p:ph idx="1"/>
+          </p:nvPr>
+        </p:nvPicPr>
+        <p:blipFill>
+          <a:blip r:embed="rId2"/>
+          <a:stretch>
+            <a:fillRect/>
+          </a:stretch>
+        </p:blipFill>
+        <p:spPr>
+          <a:xfrm>
+            <a:off x="1849888" y="1690688"/>
+            <a:ext cx="6123489" cy="4351338"/>
+          </a:xfrm>
+          <a:prstGeom prst="rect">
+            <a:avLst/>
+          </a:prstGeom>
+        </p:spPr>
+      </p:pic>
+    </p:spTree>
+    <p:extLst>
+      <p:ext uri="{BB962C8B-B14F-4D97-AF65-F5344CB8AC3E}">
+        <p14:creationId xmlns:p14="http://schemas.microsoft.com/office/powerpoint/2010/main" val="3396346555"/>
       </p:ext>
     </p:extLst>
   </p:cSld>
@@ -5563,6 +5639,397 @@
     <p:extLst>
       <p:ext uri="{BB962C8B-B14F-4D97-AF65-F5344CB8AC3E}">
         <p14:creationId xmlns:p14="http://schemas.microsoft.com/office/powerpoint/2010/main" val="3726197213"/>
+      </p:ext>
+    </p:extLst>
+  </p:cSld>
+  <p:clrMapOvr>
+    <a:masterClrMapping/>
+  </p:clrMapOvr>
+</p:sld>
+</file>
+
+<file path=ppt/slides/slide20.xml><?xml version="1.0" encoding="utf-8"?>
+<p:sld xmlns:a="http://schemas.openxmlformats.org/drawingml/2006/main" xmlns:r="http://schemas.openxmlformats.org/officeDocument/2006/relationships" xmlns:p="http://schemas.openxmlformats.org/presentationml/2006/main">
+  <p:cSld>
+    <p:spTree>
+      <p:nvGrpSpPr>
+        <p:cNvPr id="1" name=""/>
+        <p:cNvGrpSpPr/>
+        <p:nvPr/>
+      </p:nvGrpSpPr>
+      <p:grpSpPr>
+        <a:xfrm>
+          <a:off x="0" y="0"/>
+          <a:ext cx="0" cy="0"/>
+          <a:chOff x="0" y="0"/>
+          <a:chExt cx="0" cy="0"/>
+        </a:xfrm>
+      </p:grpSpPr>
+      <p:sp>
+        <p:nvSpPr>
+          <p:cNvPr id="2" name="标题 1"/>
+          <p:cNvSpPr>
+            <a:spLocks noGrp="1"/>
+          </p:cNvSpPr>
+          <p:nvPr>
+            <p:ph type="title"/>
+          </p:nvPr>
+        </p:nvSpPr>
+        <p:spPr/>
+        <p:txBody>
+          <a:bodyPr/>
+          <a:lstStyle/>
+          <a:p>
+            <a:r>
+              <a:rPr lang="zh-CN" altLang="en-US" dirty="0"/>
+              <a:t>自动化测试</a:t>
+            </a:r>
+            <a:r>
+              <a:rPr lang="en-US" altLang="zh-CN" dirty="0"/>
+              <a:t/>
+            </a:r>
+            <a:br>
+              <a:rPr lang="en-US" altLang="zh-CN" dirty="0"/>
+            </a:br>
+            <a:r>
+              <a:rPr lang="en-US" altLang="zh-CN" sz="3200" dirty="0" smtClean="0"/>
+              <a:t>case</a:t>
+            </a:r>
+            <a:r>
+              <a:rPr lang="zh-CN" altLang="en-US" sz="3200" dirty="0" smtClean="0"/>
+              <a:t>入口 </a:t>
+            </a:r>
+            <a:r>
+              <a:rPr lang="en-US" altLang="zh-CN" sz="3200" dirty="0" err="1" smtClean="0"/>
+              <a:t>Testcases</a:t>
+            </a:r>
+            <a:endParaRPr lang="zh-CN" altLang="en-US" sz="3200" dirty="0"/>
+          </a:p>
+        </p:txBody>
+      </p:sp>
+      <p:pic>
+        <p:nvPicPr>
+          <p:cNvPr id="4" name="内容占位符 3"/>
+          <p:cNvPicPr>
+            <a:picLocks noGrp="1" noChangeAspect="1"/>
+          </p:cNvPicPr>
+          <p:nvPr>
+            <p:ph idx="1"/>
+          </p:nvPr>
+        </p:nvPicPr>
+        <p:blipFill>
+          <a:blip r:embed="rId2"/>
+          <a:stretch>
+            <a:fillRect/>
+          </a:stretch>
+        </p:blipFill>
+        <p:spPr>
+          <a:xfrm>
+            <a:off x="1712734" y="1825625"/>
+            <a:ext cx="8766532" cy="4351338"/>
+          </a:xfrm>
+          <a:prstGeom prst="rect">
+            <a:avLst/>
+          </a:prstGeom>
+        </p:spPr>
+      </p:pic>
+    </p:spTree>
+    <p:extLst>
+      <p:ext uri="{BB962C8B-B14F-4D97-AF65-F5344CB8AC3E}">
+        <p14:creationId xmlns:p14="http://schemas.microsoft.com/office/powerpoint/2010/main" val="2371882153"/>
+      </p:ext>
+    </p:extLst>
+  </p:cSld>
+  <p:clrMapOvr>
+    <a:masterClrMapping/>
+  </p:clrMapOvr>
+</p:sld>
+</file>
+
+<file path=ppt/slides/slide21.xml><?xml version="1.0" encoding="utf-8"?>
+<p:sld xmlns:a="http://schemas.openxmlformats.org/drawingml/2006/main" xmlns:r="http://schemas.openxmlformats.org/officeDocument/2006/relationships" xmlns:p="http://schemas.openxmlformats.org/presentationml/2006/main">
+  <p:cSld>
+    <p:spTree>
+      <p:nvGrpSpPr>
+        <p:cNvPr id="1" name=""/>
+        <p:cNvGrpSpPr/>
+        <p:nvPr/>
+      </p:nvGrpSpPr>
+      <p:grpSpPr>
+        <a:xfrm>
+          <a:off x="0" y="0"/>
+          <a:ext cx="0" cy="0"/>
+          <a:chOff x="0" y="0"/>
+          <a:chExt cx="0" cy="0"/>
+        </a:xfrm>
+      </p:grpSpPr>
+      <p:sp>
+        <p:nvSpPr>
+          <p:cNvPr id="2" name="标题 1"/>
+          <p:cNvSpPr>
+            <a:spLocks noGrp="1"/>
+          </p:cNvSpPr>
+          <p:nvPr>
+            <p:ph type="title"/>
+          </p:nvPr>
+        </p:nvSpPr>
+        <p:spPr/>
+        <p:txBody>
+          <a:bodyPr/>
+          <a:lstStyle/>
+          <a:p>
+            <a:r>
+              <a:rPr lang="zh-CN" altLang="en-US" dirty="0"/>
+              <a:t>自动化测试</a:t>
+            </a:r>
+            <a:r>
+              <a:rPr lang="en-US" altLang="zh-CN" dirty="0"/>
+              <a:t/>
+            </a:r>
+            <a:br>
+              <a:rPr lang="en-US" altLang="zh-CN" dirty="0"/>
+            </a:br>
+            <a:r>
+              <a:rPr lang="en-US" altLang="zh-CN" sz="2800" dirty="0"/>
+              <a:t>case</a:t>
+            </a:r>
+            <a:r>
+              <a:rPr lang="zh-CN" altLang="en-US" sz="2800" dirty="0"/>
+              <a:t>入口 </a:t>
+            </a:r>
+            <a:r>
+              <a:rPr lang="en-US" altLang="zh-CN" sz="2800" dirty="0" err="1"/>
+              <a:t>Testcases</a:t>
+            </a:r>
+            <a:endParaRPr lang="zh-CN" altLang="en-US" sz="2800" dirty="0"/>
+          </a:p>
+        </p:txBody>
+      </p:sp>
+      <p:pic>
+        <p:nvPicPr>
+          <p:cNvPr id="4" name="内容占位符 3"/>
+          <p:cNvPicPr>
+            <a:picLocks noGrp="1" noChangeAspect="1"/>
+          </p:cNvPicPr>
+          <p:nvPr>
+            <p:ph idx="1"/>
+          </p:nvPr>
+        </p:nvPicPr>
+        <p:blipFill>
+          <a:blip r:embed="rId2"/>
+          <a:stretch>
+            <a:fillRect/>
+          </a:stretch>
+        </p:blipFill>
+        <p:spPr>
+          <a:xfrm>
+            <a:off x="3105687" y="1816917"/>
+            <a:ext cx="4796260" cy="4351338"/>
+          </a:xfrm>
+          <a:prstGeom prst="rect">
+            <a:avLst/>
+          </a:prstGeom>
+        </p:spPr>
+      </p:pic>
+    </p:spTree>
+    <p:extLst>
+      <p:ext uri="{BB962C8B-B14F-4D97-AF65-F5344CB8AC3E}">
+        <p14:creationId xmlns:p14="http://schemas.microsoft.com/office/powerpoint/2010/main" val="1206626049"/>
+      </p:ext>
+    </p:extLst>
+  </p:cSld>
+  <p:clrMapOvr>
+    <a:masterClrMapping/>
+  </p:clrMapOvr>
+</p:sld>
+</file>
+
+<file path=ppt/slides/slide22.xml><?xml version="1.0" encoding="utf-8"?>
+<p:sld xmlns:a="http://schemas.openxmlformats.org/drawingml/2006/main" xmlns:r="http://schemas.openxmlformats.org/officeDocument/2006/relationships" xmlns:p="http://schemas.openxmlformats.org/presentationml/2006/main">
+  <p:cSld>
+    <p:spTree>
+      <p:nvGrpSpPr>
+        <p:cNvPr id="1" name=""/>
+        <p:cNvGrpSpPr/>
+        <p:nvPr/>
+      </p:nvGrpSpPr>
+      <p:grpSpPr>
+        <a:xfrm>
+          <a:off x="0" y="0"/>
+          <a:ext cx="0" cy="0"/>
+          <a:chOff x="0" y="0"/>
+          <a:chExt cx="0" cy="0"/>
+        </a:xfrm>
+      </p:grpSpPr>
+      <p:sp>
+        <p:nvSpPr>
+          <p:cNvPr id="2" name="标题 1"/>
+          <p:cNvSpPr>
+            <a:spLocks noGrp="1"/>
+          </p:cNvSpPr>
+          <p:nvPr>
+            <p:ph type="title"/>
+          </p:nvPr>
+        </p:nvSpPr>
+        <p:spPr/>
+        <p:txBody>
+          <a:bodyPr/>
+          <a:lstStyle/>
+          <a:p>
+            <a:r>
+              <a:rPr lang="zh-CN" altLang="en-US" dirty="0"/>
+              <a:t>自动化测试</a:t>
+            </a:r>
+            <a:r>
+              <a:rPr lang="en-US" altLang="zh-CN" dirty="0"/>
+              <a:t/>
+            </a:r>
+            <a:br>
+              <a:rPr lang="en-US" altLang="zh-CN" dirty="0"/>
+            </a:br>
+            <a:r>
+              <a:rPr lang="zh-CN" altLang="en-US" sz="2800" dirty="0" smtClean="0"/>
+              <a:t>用户测试库</a:t>
+            </a:r>
+            <a:endParaRPr lang="zh-CN" altLang="en-US" sz="2800" dirty="0"/>
+          </a:p>
+        </p:txBody>
+      </p:sp>
+      <p:sp>
+        <p:nvSpPr>
+          <p:cNvPr id="3" name="内容占位符 2"/>
+          <p:cNvSpPr>
+            <a:spLocks noGrp="1"/>
+          </p:cNvSpPr>
+          <p:nvPr>
+            <p:ph idx="1"/>
+          </p:nvPr>
+        </p:nvSpPr>
+        <p:spPr/>
+        <p:txBody>
+          <a:bodyPr/>
+          <a:lstStyle/>
+          <a:p>
+            <a:endParaRPr lang="zh-CN" altLang="en-US" dirty="0"/>
+          </a:p>
+        </p:txBody>
+      </p:sp>
+      <p:pic>
+        <p:nvPicPr>
+          <p:cNvPr id="4" name="图片 3"/>
+          <p:cNvPicPr>
+            <a:picLocks noChangeAspect="1"/>
+          </p:cNvPicPr>
+          <p:nvPr/>
+        </p:nvPicPr>
+        <p:blipFill>
+          <a:blip r:embed="rId2"/>
+          <a:stretch>
+            <a:fillRect/>
+          </a:stretch>
+        </p:blipFill>
+        <p:spPr>
+          <a:xfrm>
+            <a:off x="838200" y="1825625"/>
+            <a:ext cx="10801350" cy="4705350"/>
+          </a:xfrm>
+          <a:prstGeom prst="rect">
+            <a:avLst/>
+          </a:prstGeom>
+        </p:spPr>
+      </p:pic>
+    </p:spTree>
+    <p:extLst>
+      <p:ext uri="{BB962C8B-B14F-4D97-AF65-F5344CB8AC3E}">
+        <p14:creationId xmlns:p14="http://schemas.microsoft.com/office/powerpoint/2010/main" val="2702311059"/>
+      </p:ext>
+    </p:extLst>
+  </p:cSld>
+  <p:clrMapOvr>
+    <a:masterClrMapping/>
+  </p:clrMapOvr>
+</p:sld>
+</file>
+
+<file path=ppt/slides/slide23.xml><?xml version="1.0" encoding="utf-8"?>
+<p:sld xmlns:a="http://schemas.openxmlformats.org/drawingml/2006/main" xmlns:r="http://schemas.openxmlformats.org/officeDocument/2006/relationships" xmlns:p="http://schemas.openxmlformats.org/presentationml/2006/main">
+  <p:cSld>
+    <p:spTree>
+      <p:nvGrpSpPr>
+        <p:cNvPr id="1" name=""/>
+        <p:cNvGrpSpPr/>
+        <p:nvPr/>
+      </p:nvGrpSpPr>
+      <p:grpSpPr>
+        <a:xfrm>
+          <a:off x="0" y="0"/>
+          <a:ext cx="0" cy="0"/>
+          <a:chOff x="0" y="0"/>
+          <a:chExt cx="0" cy="0"/>
+        </a:xfrm>
+      </p:grpSpPr>
+      <p:sp>
+        <p:nvSpPr>
+          <p:cNvPr id="2" name="标题 1"/>
+          <p:cNvSpPr>
+            <a:spLocks noGrp="1"/>
+          </p:cNvSpPr>
+          <p:nvPr>
+            <p:ph type="title"/>
+          </p:nvPr>
+        </p:nvSpPr>
+        <p:spPr/>
+        <p:txBody>
+          <a:bodyPr/>
+          <a:lstStyle/>
+          <a:p>
+            <a:r>
+              <a:rPr lang="zh-CN" altLang="en-US" dirty="0"/>
+              <a:t>自动化测试</a:t>
+            </a:r>
+            <a:r>
+              <a:rPr lang="en-US" altLang="zh-CN" dirty="0"/>
+              <a:t/>
+            </a:r>
+            <a:br>
+              <a:rPr lang="en-US" altLang="zh-CN" dirty="0"/>
+            </a:br>
+            <a:r>
+              <a:rPr lang="zh-CN" altLang="en-US" sz="2800" dirty="0" smtClean="0"/>
+              <a:t>用户测试库</a:t>
+            </a:r>
+            <a:endParaRPr lang="zh-CN" altLang="en-US" sz="2800" dirty="0"/>
+          </a:p>
+        </p:txBody>
+      </p:sp>
+      <p:pic>
+        <p:nvPicPr>
+          <p:cNvPr id="6" name="图片 5"/>
+          <p:cNvPicPr>
+            <a:picLocks noChangeAspect="1"/>
+          </p:cNvPicPr>
+          <p:nvPr/>
+        </p:nvPicPr>
+        <p:blipFill>
+          <a:blip r:embed="rId2"/>
+          <a:stretch>
+            <a:fillRect/>
+          </a:stretch>
+        </p:blipFill>
+        <p:spPr>
+          <a:xfrm>
+            <a:off x="2180000" y="1503181"/>
+            <a:ext cx="8162925" cy="5210175"/>
+          </a:xfrm>
+          <a:prstGeom prst="rect">
+            <a:avLst/>
+          </a:prstGeom>
+        </p:spPr>
+      </p:pic>
+    </p:spTree>
+    <p:extLst>
+      <p:ext uri="{BB962C8B-B14F-4D97-AF65-F5344CB8AC3E}">
+        <p14:creationId xmlns:p14="http://schemas.microsoft.com/office/powerpoint/2010/main" val="2682833620"/>
       </p:ext>
     </p:extLst>
   </p:cSld>
